--- a/ppt/APGD_midterm_template.pptx
+++ b/ppt/APGD_midterm_template.pptx
@@ -4,24 +4,27 @@
   <p:sldMasterIdLst>
     <p:sldMasterId id="2147483648" r:id="rId1"/>
   </p:sldMasterIdLst>
+  <p:notesMasterIdLst>
+    <p:notesMasterId r:id="rId17"/>
+  </p:notesMasterIdLst>
   <p:sldIdLst>
-    <p:sldId id="256" r:id="rId7"/>
-    <p:sldId id="257" r:id="rId8"/>
-    <p:sldId id="258" r:id="rId9"/>
-    <p:sldId id="259" r:id="rId11"/>
-    <p:sldId id="260" r:id="rId12"/>
-    <p:sldId id="261" r:id="rId13"/>
-    <p:sldId id="262" r:id="rId14"/>
-    <p:sldId id="263" r:id="rId15"/>
-    <p:sldId id="264" r:id="rId16"/>
-    <p:sldId id="265" r:id="rId17"/>
-    <p:sldId id="266" r:id="rId18"/>
-    <p:sldId id="267" r:id="rId19"/>
-    <p:sldId id="268" r:id="rId20"/>
-    <p:sldId id="269" r:id="rId21"/>
-    <p:sldId id="270" r:id="rId22"/>
+    <p:sldId id="256" r:id="rId2"/>
+    <p:sldId id="257" r:id="rId3"/>
+    <p:sldId id="258" r:id="rId4"/>
+    <p:sldId id="259" r:id="rId5"/>
+    <p:sldId id="260" r:id="rId6"/>
+    <p:sldId id="261" r:id="rId7"/>
+    <p:sldId id="262" r:id="rId8"/>
+    <p:sldId id="263" r:id="rId9"/>
+    <p:sldId id="264" r:id="rId10"/>
+    <p:sldId id="265" r:id="rId11"/>
+    <p:sldId id="266" r:id="rId12"/>
+    <p:sldId id="267" r:id="rId13"/>
+    <p:sldId id="268" r:id="rId14"/>
+    <p:sldId id="269" r:id="rId15"/>
+    <p:sldId id="270" r:id="rId16"/>
   </p:sldIdLst>
-  <p:sldSz cx="12188952" cy="6858000" type="screen4x3"/>
+  <p:sldSz cx="12188825" cy="6858000"/>
   <p:notesSz cx="6858000" cy="9144000"/>
   <p:defaultTextStyle>
     <a:defPPr>
@@ -118,11 +121,27 @@
       </a:defRPr>
     </a:lvl9pPr>
   </p:defaultTextStyle>
+  <p:extLst>
+    <p:ext uri="{EFAFB233-063F-42B5-8137-9DF3F51BA10A}">
+      <p15:sldGuideLst xmlns:p15="http://schemas.microsoft.com/office/powerpoint/2012/main">
+        <p15:guide id="1" orient="horz" pos="2160">
+          <p15:clr>
+            <a:srgbClr val="A4A3A4"/>
+          </p15:clr>
+        </p15:guide>
+        <p15:guide id="2" pos="2880">
+          <p15:clr>
+            <a:srgbClr val="A4A3A4"/>
+          </p15:clr>
+        </p15:guide>
+      </p15:sldGuideLst>
+    </p:ext>
+  </p:extLst>
 </p:presentation>
 </file>
 
 <file path=ppt/notesMasters/notesMaster1.xml><?xml version="1.0" encoding="utf-8"?>
-<p:notesMaster xmlns:a="http://schemas.openxmlformats.org/drawingml/2006/main" xmlns:p="http://schemas.openxmlformats.org/presentationml/2006/main" xmlns:r="http://schemas.openxmlformats.org/officeDocument/2006/relationships">
+<p:notesMaster xmlns:a="http://schemas.openxmlformats.org/drawingml/2006/main" xmlns:r="http://schemas.openxmlformats.org/officeDocument/2006/relationships" xmlns:p="http://schemas.openxmlformats.org/presentationml/2006/main">
   <p:cSld>
     <p:bg>
       <p:bgRef idx="1001">
@@ -145,7 +164,7 @@
       </p:grpSpPr>
       <p:sp>
         <p:nvSpPr>
-          <p:cNvPr id="2" name="Header Placeholder 1"/>
+          <p:cNvPr id="2" name="Kopfzeilenplatzhalter 1"/>
           <p:cNvSpPr>
             <a:spLocks noGrp="1"/>
           </p:cNvSpPr>
@@ -156,7 +175,7 @@
         <p:spPr>
           <a:xfrm>
             <a:off x="0" y="0"/>
-            <a:ext cx="2971800" cy="457200"/>
+            <a:ext cx="2971800" cy="458788"/>
           </a:xfrm>
           <a:prstGeom prst="rect">
             <a:avLst/>
@@ -170,13 +189,13 @@
             </a:lvl1pPr>
           </a:lstStyle>
           <a:p>
-            <a:endParaRPr lang="en-US"/>
-          </a:p>
-        </p:txBody>
-      </p:sp>
-      <p:sp>
-        <p:nvSpPr>
-          <p:cNvPr id="3" name="Date Placeholder 2"/>
+            <a:endParaRPr lang="zh-CN" altLang="en-US"/>
+          </a:p>
+        </p:txBody>
+      </p:sp>
+      <p:sp>
+        <p:nvSpPr>
+          <p:cNvPr id="3" name="Datumsplatzhalter 2"/>
           <p:cNvSpPr>
             <a:spLocks noGrp="1"/>
           </p:cNvSpPr>
@@ -187,7 +206,7 @@
         <p:spPr>
           <a:xfrm>
             <a:off x="3884613" y="0"/>
-            <a:ext cx="2971800" cy="457200"/>
+            <a:ext cx="2971800" cy="458788"/>
           </a:xfrm>
           <a:prstGeom prst="rect">
             <a:avLst/>
@@ -201,17 +220,17 @@
             </a:lvl1pPr>
           </a:lstStyle>
           <a:p>
-            <a:fld id="{0F89C1C7-3DCD-1040-A9CF-14679D8B5DDD}" type="datetimeFigureOut">
-              <a:rPr lang="en-US" smtClean="0"/>
-              <a:t>10/17/16</a:t>
+            <a:fld id="{14B0C760-6C74-4EEF-B426-B92545AB3F56}" type="datetimeFigureOut">
+              <a:rPr lang="zh-CN" altLang="en-US" smtClean="0"/>
+              <a:t>2025/10/1</a:t>
             </a:fld>
-            <a:endParaRPr lang="en-US"/>
-          </a:p>
-        </p:txBody>
-      </p:sp>
-      <p:sp>
-        <p:nvSpPr>
-          <p:cNvPr id="4" name="Slide Image Placeholder 3"/>
+            <a:endParaRPr lang="zh-CN" altLang="en-US"/>
+          </a:p>
+        </p:txBody>
+      </p:sp>
+      <p:sp>
+        <p:nvSpPr>
+          <p:cNvPr id="4" name="Folienbildplatzhalter 3"/>
           <p:cNvSpPr>
             <a:spLocks noGrp="1" noRot="1" noChangeAspect="1"/>
           </p:cNvSpPr>
@@ -221,8 +240,8 @@
         </p:nvSpPr>
         <p:spPr>
           <a:xfrm>
-            <a:off x="1143000" y="685800"/>
-            <a:ext cx="4572000" cy="3429000"/>
+            <a:off x="685800" y="1143000"/>
+            <a:ext cx="5486400" cy="3086100"/>
           </a:xfrm>
           <a:prstGeom prst="rect">
             <a:avLst/>
@@ -238,13 +257,13 @@
           <a:bodyPr vert="horz" lIns="91440" tIns="45720" rIns="91440" bIns="45720" rtlCol="0" anchor="ctr"/>
           <a:lstStyle/>
           <a:p>
-            <a:endParaRPr lang="en-US"/>
-          </a:p>
-        </p:txBody>
-      </p:sp>
-      <p:sp>
-        <p:nvSpPr>
-          <p:cNvPr id="5" name="Notes Placeholder 4"/>
+            <a:endParaRPr lang="zh-CN" altLang="en-US"/>
+          </a:p>
+        </p:txBody>
+      </p:sp>
+      <p:sp>
+        <p:nvSpPr>
+          <p:cNvPr id="5" name="Notizenplatzhalter 4"/>
           <p:cNvSpPr>
             <a:spLocks noGrp="1"/>
           </p:cNvSpPr>
@@ -254,8 +273,8 @@
         </p:nvSpPr>
         <p:spPr>
           <a:xfrm>
-            <a:off x="685800" y="4343400"/>
-            <a:ext cx="5486400" cy="4114800"/>
+            <a:off x="685800" y="4400550"/>
+            <a:ext cx="5486400" cy="3600450"/>
           </a:xfrm>
           <a:prstGeom prst="rect">
             <a:avLst/>
@@ -267,44 +286,44 @@
           <a:p>
             <a:pPr lvl="0"/>
             <a:r>
-              <a:rPr lang="en-US" smtClean="0"/>
-              <a:t>Click to edit Master text styles</a:t>
+              <a:rPr lang="de-DE" altLang="zh-CN"/>
+              <a:t>Mastertextformat bearbeiten</a:t>
             </a:r>
           </a:p>
           <a:p>
             <a:pPr lvl="1"/>
             <a:r>
-              <a:rPr lang="en-US" smtClean="0"/>
-              <a:t>Second level</a:t>
+              <a:rPr lang="de-DE" altLang="zh-CN"/>
+              <a:t>Zweite Ebene</a:t>
             </a:r>
           </a:p>
           <a:p>
             <a:pPr lvl="2"/>
             <a:r>
-              <a:rPr lang="en-US" smtClean="0"/>
-              <a:t>Third level</a:t>
+              <a:rPr lang="de-DE" altLang="zh-CN"/>
+              <a:t>Dritte Ebene</a:t>
             </a:r>
           </a:p>
           <a:p>
             <a:pPr lvl="3"/>
             <a:r>
-              <a:rPr lang="en-US" smtClean="0"/>
-              <a:t>Fourth level</a:t>
+              <a:rPr lang="de-DE" altLang="zh-CN"/>
+              <a:t>Vierte Ebene</a:t>
             </a:r>
           </a:p>
           <a:p>
             <a:pPr lvl="4"/>
             <a:r>
-              <a:rPr lang="en-US" smtClean="0"/>
-              <a:t>Fifth level</a:t>
-            </a:r>
-            <a:endParaRPr lang="en-US"/>
-          </a:p>
-        </p:txBody>
-      </p:sp>
-      <p:sp>
-        <p:nvSpPr>
-          <p:cNvPr id="6" name="Footer Placeholder 5"/>
+              <a:rPr lang="de-DE" altLang="zh-CN"/>
+              <a:t>Fünfte Ebene</a:t>
+            </a:r>
+            <a:endParaRPr lang="zh-CN" altLang="en-US"/>
+          </a:p>
+        </p:txBody>
+      </p:sp>
+      <p:sp>
+        <p:nvSpPr>
+          <p:cNvPr id="6" name="Fußzeilenplatzhalter 5"/>
           <p:cNvSpPr>
             <a:spLocks noGrp="1"/>
           </p:cNvSpPr>
@@ -315,7 +334,7 @@
         <p:spPr>
           <a:xfrm>
             <a:off x="0" y="8685213"/>
-            <a:ext cx="2971800" cy="457200"/>
+            <a:ext cx="2971800" cy="458787"/>
           </a:xfrm>
           <a:prstGeom prst="rect">
             <a:avLst/>
@@ -329,13 +348,13 @@
             </a:lvl1pPr>
           </a:lstStyle>
           <a:p>
-            <a:endParaRPr lang="en-US"/>
-          </a:p>
-        </p:txBody>
-      </p:sp>
-      <p:sp>
-        <p:nvSpPr>
-          <p:cNvPr id="7" name="Slide Number Placeholder 6"/>
+            <a:endParaRPr lang="zh-CN" altLang="en-US"/>
+          </a:p>
+        </p:txBody>
+      </p:sp>
+      <p:sp>
+        <p:nvSpPr>
+          <p:cNvPr id="7" name="Foliennummernplatzhalter 6"/>
           <p:cNvSpPr>
             <a:spLocks noGrp="1"/>
           </p:cNvSpPr>
@@ -346,7 +365,7 @@
         <p:spPr>
           <a:xfrm>
             <a:off x="3884613" y="8685213"/>
-            <a:ext cx="2971800" cy="457200"/>
+            <a:ext cx="2971800" cy="458787"/>
           </a:xfrm>
           <a:prstGeom prst="rect">
             <a:avLst/>
@@ -360,24 +379,24 @@
             </a:lvl1pPr>
           </a:lstStyle>
           <a:p>
-            <a:fld id="{BB5E49A5-4136-284D-997B-48E1D791AD67}" type="slidenum">
-              <a:rPr lang="en-US" smtClean="0"/>
-              <a:t>‹#›</a:t>
+            <a:fld id="{29E18317-8656-4B0B-B698-CBAC43FD43A1}" type="slidenum">
+              <a:rPr lang="zh-CN" altLang="en-US" smtClean="0"/>
+              <a:t>‹Nr.›</a:t>
             </a:fld>
-            <a:endParaRPr lang="en-US"/>
+            <a:endParaRPr lang="zh-CN" altLang="en-US"/>
           </a:p>
         </p:txBody>
       </p:sp>
     </p:spTree>
     <p:extLst>
       <p:ext uri="{BB962C8B-B14F-4D97-AF65-F5344CB8AC3E}">
-        <p14:creationId xmlns:p14="http://schemas.microsoft.com/office/powerpoint/2010/main" val="2623252185"/>
+        <p14:creationId xmlns:p14="http://schemas.microsoft.com/office/powerpoint/2010/main" val="3273030700"/>
       </p:ext>
     </p:extLst>
   </p:cSld>
   <p:clrMap bg1="lt1" tx1="dk1" bg2="lt2" tx2="dk2" accent1="accent1" accent2="accent2" accent3="accent3" accent4="accent4" accent5="accent5" accent6="accent6" hlink="hlink" folHlink="folHlink"/>
   <p:notesStyle>
-    <a:lvl1pPr marL="0" algn="l" defTabSz="457200" rtl="0" eaLnBrk="1" latinLnBrk="0" hangingPunct="1">
+    <a:lvl1pPr marL="0" algn="l" defTabSz="914400" rtl="0" eaLnBrk="1" latinLnBrk="0" hangingPunct="1">
       <a:defRPr sz="1200" kern="1200">
         <a:solidFill>
           <a:schemeClr val="tx1"/>
@@ -387,7 +406,7 @@
         <a:cs typeface="+mn-cs"/>
       </a:defRPr>
     </a:lvl1pPr>
-    <a:lvl2pPr marL="457200" algn="l" defTabSz="457200" rtl="0" eaLnBrk="1" latinLnBrk="0" hangingPunct="1">
+    <a:lvl2pPr marL="457200" algn="l" defTabSz="914400" rtl="0" eaLnBrk="1" latinLnBrk="0" hangingPunct="1">
       <a:defRPr sz="1200" kern="1200">
         <a:solidFill>
           <a:schemeClr val="tx1"/>
@@ -397,7 +416,7 @@
         <a:cs typeface="+mn-cs"/>
       </a:defRPr>
     </a:lvl2pPr>
-    <a:lvl3pPr marL="914400" algn="l" defTabSz="457200" rtl="0" eaLnBrk="1" latinLnBrk="0" hangingPunct="1">
+    <a:lvl3pPr marL="914400" algn="l" defTabSz="914400" rtl="0" eaLnBrk="1" latinLnBrk="0" hangingPunct="1">
       <a:defRPr sz="1200" kern="1200">
         <a:solidFill>
           <a:schemeClr val="tx1"/>
@@ -407,7 +426,7 @@
         <a:cs typeface="+mn-cs"/>
       </a:defRPr>
     </a:lvl3pPr>
-    <a:lvl4pPr marL="1371600" algn="l" defTabSz="457200" rtl="0" eaLnBrk="1" latinLnBrk="0" hangingPunct="1">
+    <a:lvl4pPr marL="1371600" algn="l" defTabSz="914400" rtl="0" eaLnBrk="1" latinLnBrk="0" hangingPunct="1">
       <a:defRPr sz="1200" kern="1200">
         <a:solidFill>
           <a:schemeClr val="tx1"/>
@@ -417,7 +436,7 @@
         <a:cs typeface="+mn-cs"/>
       </a:defRPr>
     </a:lvl4pPr>
-    <a:lvl5pPr marL="1828800" algn="l" defTabSz="457200" rtl="0" eaLnBrk="1" latinLnBrk="0" hangingPunct="1">
+    <a:lvl5pPr marL="1828800" algn="l" defTabSz="914400" rtl="0" eaLnBrk="1" latinLnBrk="0" hangingPunct="1">
       <a:defRPr sz="1200" kern="1200">
         <a:solidFill>
           <a:schemeClr val="tx1"/>
@@ -427,7 +446,7 @@
         <a:cs typeface="+mn-cs"/>
       </a:defRPr>
     </a:lvl5pPr>
-    <a:lvl6pPr marL="2286000" algn="l" defTabSz="457200" rtl="0" eaLnBrk="1" latinLnBrk="0" hangingPunct="1">
+    <a:lvl6pPr marL="2286000" algn="l" defTabSz="914400" rtl="0" eaLnBrk="1" latinLnBrk="0" hangingPunct="1">
       <a:defRPr sz="1200" kern="1200">
         <a:solidFill>
           <a:schemeClr val="tx1"/>
@@ -437,7 +456,7 @@
         <a:cs typeface="+mn-cs"/>
       </a:defRPr>
     </a:lvl6pPr>
-    <a:lvl7pPr marL="2743200" algn="l" defTabSz="457200" rtl="0" eaLnBrk="1" latinLnBrk="0" hangingPunct="1">
+    <a:lvl7pPr marL="2743200" algn="l" defTabSz="914400" rtl="0" eaLnBrk="1" latinLnBrk="0" hangingPunct="1">
       <a:defRPr sz="1200" kern="1200">
         <a:solidFill>
           <a:schemeClr val="tx1"/>
@@ -447,7 +466,7 @@
         <a:cs typeface="+mn-cs"/>
       </a:defRPr>
     </a:lvl7pPr>
-    <a:lvl8pPr marL="3200400" algn="l" defTabSz="457200" rtl="0" eaLnBrk="1" latinLnBrk="0" hangingPunct="1">
+    <a:lvl8pPr marL="3200400" algn="l" defTabSz="914400" rtl="0" eaLnBrk="1" latinLnBrk="0" hangingPunct="1">
       <a:defRPr sz="1200" kern="1200">
         <a:solidFill>
           <a:schemeClr val="tx1"/>
@@ -457,7 +476,7 @@
         <a:cs typeface="+mn-cs"/>
       </a:defRPr>
     </a:lvl8pPr>
-    <a:lvl9pPr marL="3657600" algn="l" defTabSz="457200" rtl="0" eaLnBrk="1" latinLnBrk="0" hangingPunct="1">
+    <a:lvl9pPr marL="3657600" algn="l" defTabSz="914400" rtl="0" eaLnBrk="1" latinLnBrk="0" hangingPunct="1">
       <a:defRPr sz="1200" kern="1200">
         <a:solidFill>
           <a:schemeClr val="tx1"/>
@@ -472,7 +491,7 @@
 </file>
 
 <file path=ppt/notesSlides/notesSlide1.xml><?xml version="1.0" encoding="utf-8"?>
-<p:notes xmlns:a="http://schemas.openxmlformats.org/drawingml/2006/main" xmlns:p="http://schemas.openxmlformats.org/presentationml/2006/main" xmlns:r="http://schemas.openxmlformats.org/officeDocument/2006/relationships">
+<p:notes xmlns:a="http://schemas.openxmlformats.org/drawingml/2006/main" xmlns:r="http://schemas.openxmlformats.org/officeDocument/2006/relationships" xmlns:p="http://schemas.openxmlformats.org/presentationml/2006/main">
   <p:cSld>
     <p:spTree>
       <p:nvGrpSpPr>
@@ -492,7 +511,7 @@
         <p:nvSpPr>
           <p:cNvPr id="2" name="Slide Image Placeholder 1"/>
           <p:cNvSpPr>
-            <a:spLocks noGrp="1"/>
+            <a:spLocks noGrp="1" noRot="1" noChangeAspect="1"/>
           </p:cNvSpPr>
           <p:nvPr>
             <p:ph type="sldImg" idx="2"/>
@@ -507,7 +526,7 @@
             <a:spLocks noGrp="1"/>
           </p:cNvSpPr>
           <p:nvPr>
-            <p:ph type="body" idx="3" sz="quarter"/>
+            <p:ph type="body" sz="quarter" idx="3"/>
           </p:nvPr>
         </p:nvSpPr>
         <p:spPr/>
@@ -528,7 +547,7 @@
             <a:spLocks noGrp="1"/>
           </p:cNvSpPr>
           <p:nvPr>
-            <p:ph type="sldNum" idx="5" sz="quarter"/>
+            <p:ph type="sldNum" sz="quarter" idx="5"/>
           </p:nvPr>
         </p:nvSpPr>
         <p:spPr/>
@@ -542,7 +561,7 @@
 </file>
 
 <file path=ppt/notesSlides/notesSlide2.xml><?xml version="1.0" encoding="utf-8"?>
-<p:notes xmlns:a="http://schemas.openxmlformats.org/drawingml/2006/main" xmlns:p="http://schemas.openxmlformats.org/presentationml/2006/main" xmlns:r="http://schemas.openxmlformats.org/officeDocument/2006/relationships">
+<p:notes xmlns:a="http://schemas.openxmlformats.org/drawingml/2006/main" xmlns:r="http://schemas.openxmlformats.org/officeDocument/2006/relationships" xmlns:p="http://schemas.openxmlformats.org/presentationml/2006/main">
   <p:cSld>
     <p:spTree>
       <p:nvGrpSpPr>
@@ -562,7 +581,7 @@
         <p:nvSpPr>
           <p:cNvPr id="2" name="Slide Image Placeholder 1"/>
           <p:cNvSpPr>
-            <a:spLocks noGrp="1"/>
+            <a:spLocks noGrp="1" noRot="1" noChangeAspect="1"/>
           </p:cNvSpPr>
           <p:nvPr>
             <p:ph type="sldImg" idx="2"/>
@@ -577,7 +596,7 @@
             <a:spLocks noGrp="1"/>
           </p:cNvSpPr>
           <p:nvPr>
-            <p:ph type="body" idx="3" sz="quarter"/>
+            <p:ph type="body" sz="quarter" idx="3"/>
           </p:nvPr>
         </p:nvSpPr>
         <p:spPr/>
@@ -598,7 +617,7 @@
             <a:spLocks noGrp="1"/>
           </p:cNvSpPr>
           <p:nvPr>
-            <p:ph type="sldNum" idx="5" sz="quarter"/>
+            <p:ph type="sldNum" sz="quarter" idx="5"/>
           </p:nvPr>
         </p:nvSpPr>
         <p:spPr/>
@@ -649,10 +668,9 @@
           <a:lstStyle/>
           <a:p>
             <a:r>
-              <a:rPr lang="en-US" smtClean="0"/>
+              <a:rPr lang="en-US"/>
               <a:t>Click to edit Master title style</a:t>
             </a:r>
-            <a:endParaRPr lang="en-US"/>
           </a:p>
         </p:txBody>
       </p:sp>
@@ -768,10 +786,9 @@
           </a:lstStyle>
           <a:p>
             <a:r>
-              <a:rPr lang="en-US" smtClean="0"/>
+              <a:rPr lang="en-US"/>
               <a:t>Click to edit Master subtitle style</a:t>
             </a:r>
-            <a:endParaRPr lang="en-US"/>
           </a:p>
         </p:txBody>
       </p:sp>
@@ -792,7 +809,7 @@
           <a:p>
             <a:fld id="{5BCAD085-E8A6-8845-BD4E-CB4CCA059FC4}" type="datetimeFigureOut">
               <a:rPr lang="en-US" smtClean="0"/>
-              <a:t>1/27/13</a:t>
+              <a:t>10/1/2025</a:t>
             </a:fld>
             <a:endParaRPr lang="en-US"/>
           </a:p>
@@ -834,7 +851,7 @@
           <a:p>
             <a:fld id="{C1FF6DA9-008F-8B48-92A6-B652298478BF}" type="slidenum">
               <a:rPr lang="en-US" smtClean="0"/>
-              <a:t>‹#›</a:t>
+              <a:t>‹Nr.›</a:t>
             </a:fld>
             <a:endParaRPr lang="en-US"/>
           </a:p>
@@ -886,10 +903,9 @@
           <a:lstStyle/>
           <a:p>
             <a:r>
-              <a:rPr lang="en-US" smtClean="0"/>
+              <a:rPr lang="en-US"/>
               <a:t>Click to edit Master title style</a:t>
             </a:r>
-            <a:endParaRPr lang="en-US"/>
           </a:p>
         </p:txBody>
       </p:sp>
@@ -910,38 +926,37 @@
           <a:p>
             <a:pPr lvl="0"/>
             <a:r>
-              <a:rPr lang="en-US" smtClean="0"/>
+              <a:rPr lang="en-US"/>
               <a:t>Click to edit Master text styles</a:t>
             </a:r>
           </a:p>
           <a:p>
             <a:pPr lvl="1"/>
             <a:r>
-              <a:rPr lang="en-US" smtClean="0"/>
+              <a:rPr lang="en-US"/>
               <a:t>Second level</a:t>
             </a:r>
           </a:p>
           <a:p>
             <a:pPr lvl="2"/>
             <a:r>
-              <a:rPr lang="en-US" smtClean="0"/>
+              <a:rPr lang="en-US"/>
               <a:t>Third level</a:t>
             </a:r>
           </a:p>
           <a:p>
             <a:pPr lvl="3"/>
             <a:r>
-              <a:rPr lang="en-US" smtClean="0"/>
+              <a:rPr lang="en-US"/>
               <a:t>Fourth level</a:t>
             </a:r>
           </a:p>
           <a:p>
             <a:pPr lvl="4"/>
             <a:r>
-              <a:rPr lang="en-US" smtClean="0"/>
+              <a:rPr lang="en-US"/>
               <a:t>Fifth level</a:t>
             </a:r>
-            <a:endParaRPr lang="en-US"/>
           </a:p>
         </p:txBody>
       </p:sp>
@@ -962,7 +977,7 @@
           <a:p>
             <a:fld id="{5BCAD085-E8A6-8845-BD4E-CB4CCA059FC4}" type="datetimeFigureOut">
               <a:rPr lang="en-US" smtClean="0"/>
-              <a:t>1/27/13</a:t>
+              <a:t>10/1/2025</a:t>
             </a:fld>
             <a:endParaRPr lang="en-US"/>
           </a:p>
@@ -1004,7 +1019,7 @@
           <a:p>
             <a:fld id="{C1FF6DA9-008F-8B48-92A6-B652298478BF}" type="slidenum">
               <a:rPr lang="en-US" smtClean="0"/>
-              <a:t>‹#›</a:t>
+              <a:t>‹Nr.›</a:t>
             </a:fld>
             <a:endParaRPr lang="en-US"/>
           </a:p>
@@ -1061,10 +1076,9 @@
           <a:lstStyle/>
           <a:p>
             <a:r>
-              <a:rPr lang="en-US" smtClean="0"/>
+              <a:rPr lang="en-US"/>
               <a:t>Click to edit Master title style</a:t>
             </a:r>
-            <a:endParaRPr lang="en-US"/>
           </a:p>
         </p:txBody>
       </p:sp>
@@ -1090,38 +1104,37 @@
           <a:p>
             <a:pPr lvl="0"/>
             <a:r>
-              <a:rPr lang="en-US" smtClean="0"/>
+              <a:rPr lang="en-US"/>
               <a:t>Click to edit Master text styles</a:t>
             </a:r>
           </a:p>
           <a:p>
             <a:pPr lvl="1"/>
             <a:r>
-              <a:rPr lang="en-US" smtClean="0"/>
+              <a:rPr lang="en-US"/>
               <a:t>Second level</a:t>
             </a:r>
           </a:p>
           <a:p>
             <a:pPr lvl="2"/>
             <a:r>
-              <a:rPr lang="en-US" smtClean="0"/>
+              <a:rPr lang="en-US"/>
               <a:t>Third level</a:t>
             </a:r>
           </a:p>
           <a:p>
             <a:pPr lvl="3"/>
             <a:r>
-              <a:rPr lang="en-US" smtClean="0"/>
+              <a:rPr lang="en-US"/>
               <a:t>Fourth level</a:t>
             </a:r>
           </a:p>
           <a:p>
             <a:pPr lvl="4"/>
             <a:r>
-              <a:rPr lang="en-US" smtClean="0"/>
+              <a:rPr lang="en-US"/>
               <a:t>Fifth level</a:t>
             </a:r>
-            <a:endParaRPr lang="en-US"/>
           </a:p>
         </p:txBody>
       </p:sp>
@@ -1142,7 +1155,7 @@
           <a:p>
             <a:fld id="{5BCAD085-E8A6-8845-BD4E-CB4CCA059FC4}" type="datetimeFigureOut">
               <a:rPr lang="en-US" smtClean="0"/>
-              <a:t>1/27/13</a:t>
+              <a:t>10/1/2025</a:t>
             </a:fld>
             <a:endParaRPr lang="en-US"/>
           </a:p>
@@ -1184,7 +1197,7 @@
           <a:p>
             <a:fld id="{C1FF6DA9-008F-8B48-92A6-B652298478BF}" type="slidenum">
               <a:rPr lang="en-US" smtClean="0"/>
-              <a:t>‹#›</a:t>
+              <a:t>‹Nr.›</a:t>
             </a:fld>
             <a:endParaRPr lang="en-US"/>
           </a:p>
@@ -1236,10 +1249,9 @@
           <a:lstStyle/>
           <a:p>
             <a:r>
-              <a:rPr lang="en-US" smtClean="0"/>
+              <a:rPr lang="en-US"/>
               <a:t>Click to edit Master title style</a:t>
             </a:r>
-            <a:endParaRPr lang="en-US"/>
           </a:p>
         </p:txBody>
       </p:sp>
@@ -1260,38 +1272,37 @@
           <a:p>
             <a:pPr lvl="0"/>
             <a:r>
-              <a:rPr lang="en-US" smtClean="0"/>
+              <a:rPr lang="en-US"/>
               <a:t>Click to edit Master text styles</a:t>
             </a:r>
           </a:p>
           <a:p>
             <a:pPr lvl="1"/>
             <a:r>
-              <a:rPr lang="en-US" smtClean="0"/>
+              <a:rPr lang="en-US"/>
               <a:t>Second level</a:t>
             </a:r>
           </a:p>
           <a:p>
             <a:pPr lvl="2"/>
             <a:r>
-              <a:rPr lang="en-US" smtClean="0"/>
+              <a:rPr lang="en-US"/>
               <a:t>Third level</a:t>
             </a:r>
           </a:p>
           <a:p>
             <a:pPr lvl="3"/>
             <a:r>
-              <a:rPr lang="en-US" smtClean="0"/>
+              <a:rPr lang="en-US"/>
               <a:t>Fourth level</a:t>
             </a:r>
           </a:p>
           <a:p>
             <a:pPr lvl="4"/>
             <a:r>
-              <a:rPr lang="en-US" smtClean="0"/>
+              <a:rPr lang="en-US"/>
               <a:t>Fifth level</a:t>
             </a:r>
-            <a:endParaRPr lang="en-US"/>
           </a:p>
         </p:txBody>
       </p:sp>
@@ -1312,7 +1323,7 @@
           <a:p>
             <a:fld id="{5BCAD085-E8A6-8845-BD4E-CB4CCA059FC4}" type="datetimeFigureOut">
               <a:rPr lang="en-US" smtClean="0"/>
-              <a:t>1/27/13</a:t>
+              <a:t>10/1/2025</a:t>
             </a:fld>
             <a:endParaRPr lang="en-US"/>
           </a:p>
@@ -1354,7 +1365,7 @@
           <a:p>
             <a:fld id="{C1FF6DA9-008F-8B48-92A6-B652298478BF}" type="slidenum">
               <a:rPr lang="en-US" smtClean="0"/>
-              <a:t>‹#›</a:t>
+              <a:t>‹Nr.›</a:t>
             </a:fld>
             <a:endParaRPr lang="en-US"/>
           </a:p>
@@ -1415,10 +1426,9 @@
           </a:lstStyle>
           <a:p>
             <a:r>
-              <a:rPr lang="en-US" smtClean="0"/>
+              <a:rPr lang="en-US"/>
               <a:t>Click to edit Master title style</a:t>
             </a:r>
-            <a:endParaRPr lang="en-US"/>
           </a:p>
         </p:txBody>
       </p:sp>
@@ -1535,7 +1545,7 @@
           <a:p>
             <a:pPr lvl="0"/>
             <a:r>
-              <a:rPr lang="en-US" smtClean="0"/>
+              <a:rPr lang="en-US"/>
               <a:t>Click to edit Master text styles</a:t>
             </a:r>
           </a:p>
@@ -1558,7 +1568,7 @@
           <a:p>
             <a:fld id="{5BCAD085-E8A6-8845-BD4E-CB4CCA059FC4}" type="datetimeFigureOut">
               <a:rPr lang="en-US" smtClean="0"/>
-              <a:t>1/27/13</a:t>
+              <a:t>10/1/2025</a:t>
             </a:fld>
             <a:endParaRPr lang="en-US"/>
           </a:p>
@@ -1600,7 +1610,7 @@
           <a:p>
             <a:fld id="{C1FF6DA9-008F-8B48-92A6-B652298478BF}" type="slidenum">
               <a:rPr lang="en-US" smtClean="0"/>
-              <a:t>‹#›</a:t>
+              <a:t>‹Nr.›</a:t>
             </a:fld>
             <a:endParaRPr lang="en-US"/>
           </a:p>
@@ -1652,10 +1662,9 @@
           <a:lstStyle/>
           <a:p>
             <a:r>
-              <a:rPr lang="en-US" smtClean="0"/>
+              <a:rPr lang="en-US"/>
               <a:t>Click to edit Master title style</a:t>
             </a:r>
-            <a:endParaRPr lang="en-US"/>
           </a:p>
         </p:txBody>
       </p:sp>
@@ -1709,38 +1718,37 @@
           <a:p>
             <a:pPr lvl="0"/>
             <a:r>
-              <a:rPr lang="en-US" smtClean="0"/>
+              <a:rPr lang="en-US"/>
               <a:t>Click to edit Master text styles</a:t>
             </a:r>
           </a:p>
           <a:p>
             <a:pPr lvl="1"/>
             <a:r>
-              <a:rPr lang="en-US" smtClean="0"/>
+              <a:rPr lang="en-US"/>
               <a:t>Second level</a:t>
             </a:r>
           </a:p>
           <a:p>
             <a:pPr lvl="2"/>
             <a:r>
-              <a:rPr lang="en-US" smtClean="0"/>
+              <a:rPr lang="en-US"/>
               <a:t>Third level</a:t>
             </a:r>
           </a:p>
           <a:p>
             <a:pPr lvl="3"/>
             <a:r>
-              <a:rPr lang="en-US" smtClean="0"/>
+              <a:rPr lang="en-US"/>
               <a:t>Fourth level</a:t>
             </a:r>
           </a:p>
           <a:p>
             <a:pPr lvl="4"/>
             <a:r>
-              <a:rPr lang="en-US" smtClean="0"/>
+              <a:rPr lang="en-US"/>
               <a:t>Fifth level</a:t>
             </a:r>
-            <a:endParaRPr lang="en-US"/>
           </a:p>
         </p:txBody>
       </p:sp>
@@ -1794,38 +1802,37 @@
           <a:p>
             <a:pPr lvl="0"/>
             <a:r>
-              <a:rPr lang="en-US" smtClean="0"/>
+              <a:rPr lang="en-US"/>
               <a:t>Click to edit Master text styles</a:t>
             </a:r>
           </a:p>
           <a:p>
             <a:pPr lvl="1"/>
             <a:r>
-              <a:rPr lang="en-US" smtClean="0"/>
+              <a:rPr lang="en-US"/>
               <a:t>Second level</a:t>
             </a:r>
           </a:p>
           <a:p>
             <a:pPr lvl="2"/>
             <a:r>
-              <a:rPr lang="en-US" smtClean="0"/>
+              <a:rPr lang="en-US"/>
               <a:t>Third level</a:t>
             </a:r>
           </a:p>
           <a:p>
             <a:pPr lvl="3"/>
             <a:r>
-              <a:rPr lang="en-US" smtClean="0"/>
+              <a:rPr lang="en-US"/>
               <a:t>Fourth level</a:t>
             </a:r>
           </a:p>
           <a:p>
             <a:pPr lvl="4"/>
             <a:r>
-              <a:rPr lang="en-US" smtClean="0"/>
+              <a:rPr lang="en-US"/>
               <a:t>Fifth level</a:t>
             </a:r>
-            <a:endParaRPr lang="en-US"/>
           </a:p>
         </p:txBody>
       </p:sp>
@@ -1846,7 +1853,7 @@
           <a:p>
             <a:fld id="{5BCAD085-E8A6-8845-BD4E-CB4CCA059FC4}" type="datetimeFigureOut">
               <a:rPr lang="en-US" smtClean="0"/>
-              <a:t>1/27/13</a:t>
+              <a:t>10/1/2025</a:t>
             </a:fld>
             <a:endParaRPr lang="en-US"/>
           </a:p>
@@ -1888,7 +1895,7 @@
           <a:p>
             <a:fld id="{C1FF6DA9-008F-8B48-92A6-B652298478BF}" type="slidenum">
               <a:rPr lang="en-US" smtClean="0"/>
-              <a:t>‹#›</a:t>
+              <a:t>‹Nr.›</a:t>
             </a:fld>
             <a:endParaRPr lang="en-US"/>
           </a:p>
@@ -1944,10 +1951,9 @@
           </a:lstStyle>
           <a:p>
             <a:r>
-              <a:rPr lang="en-US" smtClean="0"/>
+              <a:rPr lang="en-US"/>
               <a:t>Click to edit Master title style</a:t>
             </a:r>
-            <a:endParaRPr lang="en-US"/>
           </a:p>
         </p:txBody>
       </p:sp>
@@ -2010,7 +2016,7 @@
           <a:p>
             <a:pPr lvl="0"/>
             <a:r>
-              <a:rPr lang="en-US" smtClean="0"/>
+              <a:rPr lang="en-US"/>
               <a:t>Click to edit Master text styles</a:t>
             </a:r>
           </a:p>
@@ -2066,38 +2072,37 @@
           <a:p>
             <a:pPr lvl="0"/>
             <a:r>
-              <a:rPr lang="en-US" smtClean="0"/>
+              <a:rPr lang="en-US"/>
               <a:t>Click to edit Master text styles</a:t>
             </a:r>
           </a:p>
           <a:p>
             <a:pPr lvl="1"/>
             <a:r>
-              <a:rPr lang="en-US" smtClean="0"/>
+              <a:rPr lang="en-US"/>
               <a:t>Second level</a:t>
             </a:r>
           </a:p>
           <a:p>
             <a:pPr lvl="2"/>
             <a:r>
-              <a:rPr lang="en-US" smtClean="0"/>
+              <a:rPr lang="en-US"/>
               <a:t>Third level</a:t>
             </a:r>
           </a:p>
           <a:p>
             <a:pPr lvl="3"/>
             <a:r>
-              <a:rPr lang="en-US" smtClean="0"/>
+              <a:rPr lang="en-US"/>
               <a:t>Fourth level</a:t>
             </a:r>
           </a:p>
           <a:p>
             <a:pPr lvl="4"/>
             <a:r>
-              <a:rPr lang="en-US" smtClean="0"/>
+              <a:rPr lang="en-US"/>
               <a:t>Fifth level</a:t>
             </a:r>
-            <a:endParaRPr lang="en-US"/>
           </a:p>
         </p:txBody>
       </p:sp>
@@ -2160,7 +2165,7 @@
           <a:p>
             <a:pPr lvl="0"/>
             <a:r>
-              <a:rPr lang="en-US" smtClean="0"/>
+              <a:rPr lang="en-US"/>
               <a:t>Click to edit Master text styles</a:t>
             </a:r>
           </a:p>
@@ -2216,38 +2221,37 @@
           <a:p>
             <a:pPr lvl="0"/>
             <a:r>
-              <a:rPr lang="en-US" smtClean="0"/>
+              <a:rPr lang="en-US"/>
               <a:t>Click to edit Master text styles</a:t>
             </a:r>
           </a:p>
           <a:p>
             <a:pPr lvl="1"/>
             <a:r>
-              <a:rPr lang="en-US" smtClean="0"/>
+              <a:rPr lang="en-US"/>
               <a:t>Second level</a:t>
             </a:r>
           </a:p>
           <a:p>
             <a:pPr lvl="2"/>
             <a:r>
-              <a:rPr lang="en-US" smtClean="0"/>
+              <a:rPr lang="en-US"/>
               <a:t>Third level</a:t>
             </a:r>
           </a:p>
           <a:p>
             <a:pPr lvl="3"/>
             <a:r>
-              <a:rPr lang="en-US" smtClean="0"/>
+              <a:rPr lang="en-US"/>
               <a:t>Fourth level</a:t>
             </a:r>
           </a:p>
           <a:p>
             <a:pPr lvl="4"/>
             <a:r>
-              <a:rPr lang="en-US" smtClean="0"/>
+              <a:rPr lang="en-US"/>
               <a:t>Fifth level</a:t>
             </a:r>
-            <a:endParaRPr lang="en-US"/>
           </a:p>
         </p:txBody>
       </p:sp>
@@ -2268,7 +2272,7 @@
           <a:p>
             <a:fld id="{5BCAD085-E8A6-8845-BD4E-CB4CCA059FC4}" type="datetimeFigureOut">
               <a:rPr lang="en-US" smtClean="0"/>
-              <a:t>1/27/13</a:t>
+              <a:t>10/1/2025</a:t>
             </a:fld>
             <a:endParaRPr lang="en-US"/>
           </a:p>
@@ -2310,7 +2314,7 @@
           <a:p>
             <a:fld id="{C1FF6DA9-008F-8B48-92A6-B652298478BF}" type="slidenum">
               <a:rPr lang="en-US" smtClean="0"/>
-              <a:t>‹#›</a:t>
+              <a:t>‹Nr.›</a:t>
             </a:fld>
             <a:endParaRPr lang="en-US"/>
           </a:p>
@@ -2362,10 +2366,9 @@
           <a:lstStyle/>
           <a:p>
             <a:r>
-              <a:rPr lang="en-US" smtClean="0"/>
+              <a:rPr lang="en-US"/>
               <a:t>Click to edit Master title style</a:t>
             </a:r>
-            <a:endParaRPr lang="en-US"/>
           </a:p>
         </p:txBody>
       </p:sp>
@@ -2386,7 +2389,7 @@
           <a:p>
             <a:fld id="{5BCAD085-E8A6-8845-BD4E-CB4CCA059FC4}" type="datetimeFigureOut">
               <a:rPr lang="en-US" smtClean="0"/>
-              <a:t>1/27/13</a:t>
+              <a:t>10/1/2025</a:t>
             </a:fld>
             <a:endParaRPr lang="en-US"/>
           </a:p>
@@ -2428,7 +2431,7 @@
           <a:p>
             <a:fld id="{C1FF6DA9-008F-8B48-92A6-B652298478BF}" type="slidenum">
               <a:rPr lang="en-US" smtClean="0"/>
-              <a:t>‹#›</a:t>
+              <a:t>‹Nr.›</a:t>
             </a:fld>
             <a:endParaRPr lang="en-US"/>
           </a:p>
@@ -2481,7 +2484,7 @@
           <a:p>
             <a:fld id="{5BCAD085-E8A6-8845-BD4E-CB4CCA059FC4}" type="datetimeFigureOut">
               <a:rPr lang="en-US" smtClean="0"/>
-              <a:t>1/27/13</a:t>
+              <a:t>10/1/2025</a:t>
             </a:fld>
             <a:endParaRPr lang="en-US"/>
           </a:p>
@@ -2523,7 +2526,7 @@
           <a:p>
             <a:fld id="{C1FF6DA9-008F-8B48-92A6-B652298478BF}" type="slidenum">
               <a:rPr lang="en-US" smtClean="0"/>
-              <a:t>‹#›</a:t>
+              <a:t>‹Nr.›</a:t>
             </a:fld>
             <a:endParaRPr lang="en-US"/>
           </a:p>
@@ -2584,10 +2587,9 @@
           </a:lstStyle>
           <a:p>
             <a:r>
-              <a:rPr lang="en-US" smtClean="0"/>
+              <a:rPr lang="en-US"/>
               <a:t>Click to edit Master title style</a:t>
             </a:r>
-            <a:endParaRPr lang="en-US"/>
           </a:p>
         </p:txBody>
       </p:sp>
@@ -2641,38 +2643,37 @@
           <a:p>
             <a:pPr lvl="0"/>
             <a:r>
-              <a:rPr lang="en-US" smtClean="0"/>
+              <a:rPr lang="en-US"/>
               <a:t>Click to edit Master text styles</a:t>
             </a:r>
           </a:p>
           <a:p>
             <a:pPr lvl="1"/>
             <a:r>
-              <a:rPr lang="en-US" smtClean="0"/>
+              <a:rPr lang="en-US"/>
               <a:t>Second level</a:t>
             </a:r>
           </a:p>
           <a:p>
             <a:pPr lvl="2"/>
             <a:r>
-              <a:rPr lang="en-US" smtClean="0"/>
+              <a:rPr lang="en-US"/>
               <a:t>Third level</a:t>
             </a:r>
           </a:p>
           <a:p>
             <a:pPr lvl="3"/>
             <a:r>
-              <a:rPr lang="en-US" smtClean="0"/>
+              <a:rPr lang="en-US"/>
               <a:t>Fourth level</a:t>
             </a:r>
           </a:p>
           <a:p>
             <a:pPr lvl="4"/>
             <a:r>
-              <a:rPr lang="en-US" smtClean="0"/>
+              <a:rPr lang="en-US"/>
               <a:t>Fifth level</a:t>
             </a:r>
-            <a:endParaRPr lang="en-US"/>
           </a:p>
         </p:txBody>
       </p:sp>
@@ -2735,7 +2736,7 @@
           <a:p>
             <a:pPr lvl="0"/>
             <a:r>
-              <a:rPr lang="en-US" smtClean="0"/>
+              <a:rPr lang="en-US"/>
               <a:t>Click to edit Master text styles</a:t>
             </a:r>
           </a:p>
@@ -2758,7 +2759,7 @@
           <a:p>
             <a:fld id="{5BCAD085-E8A6-8845-BD4E-CB4CCA059FC4}" type="datetimeFigureOut">
               <a:rPr lang="en-US" smtClean="0"/>
-              <a:t>1/27/13</a:t>
+              <a:t>10/1/2025</a:t>
             </a:fld>
             <a:endParaRPr lang="en-US"/>
           </a:p>
@@ -2800,7 +2801,7 @@
           <a:p>
             <a:fld id="{C1FF6DA9-008F-8B48-92A6-B652298478BF}" type="slidenum">
               <a:rPr lang="en-US" smtClean="0"/>
-              <a:t>‹#›</a:t>
+              <a:t>‹Nr.›</a:t>
             </a:fld>
             <a:endParaRPr lang="en-US"/>
           </a:p>
@@ -2861,10 +2862,9 @@
           </a:lstStyle>
           <a:p>
             <a:r>
-              <a:rPr lang="en-US" smtClean="0"/>
+              <a:rPr lang="en-US"/>
               <a:t>Click to edit Master title style</a:t>
             </a:r>
-            <a:endParaRPr lang="en-US"/>
           </a:p>
         </p:txBody>
       </p:sp>
@@ -2988,7 +2988,7 @@
           <a:p>
             <a:pPr lvl="0"/>
             <a:r>
-              <a:rPr lang="en-US" smtClean="0"/>
+              <a:rPr lang="en-US"/>
               <a:t>Click to edit Master text styles</a:t>
             </a:r>
           </a:p>
@@ -3011,7 +3011,7 @@
           <a:p>
             <a:fld id="{5BCAD085-E8A6-8845-BD4E-CB4CCA059FC4}" type="datetimeFigureOut">
               <a:rPr lang="en-US" smtClean="0"/>
-              <a:t>1/27/13</a:t>
+              <a:t>10/1/2025</a:t>
             </a:fld>
             <a:endParaRPr lang="en-US"/>
           </a:p>
@@ -3053,7 +3053,7 @@
           <a:p>
             <a:fld id="{C1FF6DA9-008F-8B48-92A6-B652298478BF}" type="slidenum">
               <a:rPr lang="en-US" smtClean="0"/>
-              <a:t>‹#›</a:t>
+              <a:t>‹Nr.›</a:t>
             </a:fld>
             <a:endParaRPr lang="en-US"/>
           </a:p>
@@ -3120,10 +3120,9 @@
           <a:lstStyle/>
           <a:p>
             <a:r>
-              <a:rPr lang="en-US" smtClean="0"/>
+              <a:rPr lang="en-US"/>
               <a:t>Click to edit Master title style</a:t>
             </a:r>
-            <a:endParaRPr lang="en-US"/>
           </a:p>
         </p:txBody>
       </p:sp>
@@ -3154,38 +3153,37 @@
           <a:p>
             <a:pPr lvl="0"/>
             <a:r>
-              <a:rPr lang="en-US" smtClean="0"/>
+              <a:rPr lang="en-US"/>
               <a:t>Click to edit Master text styles</a:t>
             </a:r>
           </a:p>
           <a:p>
             <a:pPr lvl="1"/>
             <a:r>
-              <a:rPr lang="en-US" smtClean="0"/>
+              <a:rPr lang="en-US"/>
               <a:t>Second level</a:t>
             </a:r>
           </a:p>
           <a:p>
             <a:pPr lvl="2"/>
             <a:r>
-              <a:rPr lang="en-US" smtClean="0"/>
+              <a:rPr lang="en-US"/>
               <a:t>Third level</a:t>
             </a:r>
           </a:p>
           <a:p>
             <a:pPr lvl="3"/>
             <a:r>
-              <a:rPr lang="en-US" smtClean="0"/>
+              <a:rPr lang="en-US"/>
               <a:t>Fourth level</a:t>
             </a:r>
           </a:p>
           <a:p>
             <a:pPr lvl="4"/>
             <a:r>
-              <a:rPr lang="en-US" smtClean="0"/>
+              <a:rPr lang="en-US"/>
               <a:t>Fifth level</a:t>
             </a:r>
-            <a:endParaRPr lang="en-US"/>
           </a:p>
         </p:txBody>
       </p:sp>
@@ -3224,7 +3222,7 @@
           <a:p>
             <a:fld id="{5BCAD085-E8A6-8845-BD4E-CB4CCA059FC4}" type="datetimeFigureOut">
               <a:rPr lang="en-US" smtClean="0"/>
-              <a:t>1/27/13</a:t>
+              <a:t>10/1/2025</a:t>
             </a:fld>
             <a:endParaRPr lang="en-US"/>
           </a:p>
@@ -3302,7 +3300,7 @@
           <a:p>
             <a:fld id="{C1FF6DA9-008F-8B48-92A6-B652298478BF}" type="slidenum">
               <a:rPr lang="en-US" smtClean="0"/>
-              <a:t>‹#›</a:t>
+              <a:t>‹Nr.›</a:t>
             </a:fld>
             <a:endParaRPr lang="en-US"/>
           </a:p>
@@ -3583,7 +3581,7 @@
 </file>
 
 <file path=ppt/slides/slide1.xml><?xml version="1.0" encoding="utf-8"?>
-<p:sld xmlns:a="http://schemas.openxmlformats.org/drawingml/2006/main" xmlns:p="http://schemas.openxmlformats.org/presentationml/2006/main" xmlns:r="http://schemas.openxmlformats.org/officeDocument/2006/relationships">
+<p:sld xmlns:a="http://schemas.openxmlformats.org/drawingml/2006/main" xmlns:r="http://schemas.openxmlformats.org/officeDocument/2006/relationships" xmlns:p="http://schemas.openxmlformats.org/presentationml/2006/main">
   <p:cSld>
     <p:spTree>
       <p:nvGrpSpPr>
@@ -3591,7 +3589,14 @@
         <p:cNvGrpSpPr/>
         <p:nvPr/>
       </p:nvGrpSpPr>
-      <p:grpSpPr/>
+      <p:grpSpPr>
+        <a:xfrm>
+          <a:off x="0" y="0"/>
+          <a:ext cx="0" cy="0"/>
+          <a:chOff x="0" y="0"/>
+          <a:chExt cx="0" cy="0"/>
+        </a:xfrm>
+      </p:grpSpPr>
       <p:sp>
         <p:nvSpPr>
           <p:cNvPr id="2" name="Title 1"/>
@@ -3630,12 +3635,34 @@
           <a:lstStyle/>
           <a:p>
             <a:r>
-              <a:t>中期汇报模板（基于 TOG 论文）</a:t>
-            </a:r>
-          </a:p>
-          <a:p>
-            <a:r>
-              <a:t>Author: 张子健  |  Institute: RWTH MMI  |  Date: 2025-09-30</a:t>
+              <a:rPr dirty="0" err="1"/>
+              <a:t>中期汇报模板（基于</a:t>
+            </a:r>
+            <a:r>
+              <a:rPr dirty="0"/>
+              <a:t> TOG </a:t>
+            </a:r>
+            <a:r>
+              <a:rPr dirty="0" err="1"/>
+              <a:t>论文</a:t>
+            </a:r>
+            <a:r>
+              <a:rPr dirty="0"/>
+              <a:t>）</a:t>
+            </a:r>
+          </a:p>
+          <a:p>
+            <a:r>
+              <a:rPr dirty="0"/>
+              <a:t>Author: </a:t>
+            </a:r>
+            <a:r>
+              <a:rPr dirty="0" err="1"/>
+              <a:t>张子健</a:t>
+            </a:r>
+            <a:r>
+              <a:rPr dirty="0"/>
+              <a:t>  |  Institute: RWTH MMI  |  Date: 2025-09-30</a:t>
             </a:r>
           </a:p>
         </p:txBody>
@@ -3649,7 +3676,7 @@
 </file>
 
 <file path=ppt/slides/slide10.xml><?xml version="1.0" encoding="utf-8"?>
-<p:sld xmlns:a="http://schemas.openxmlformats.org/drawingml/2006/main" xmlns:p="http://schemas.openxmlformats.org/presentationml/2006/main" xmlns:r="http://schemas.openxmlformats.org/officeDocument/2006/relationships">
+<p:sld xmlns:a="http://schemas.openxmlformats.org/drawingml/2006/main" xmlns:r="http://schemas.openxmlformats.org/officeDocument/2006/relationships" xmlns:p="http://schemas.openxmlformats.org/presentationml/2006/main">
   <p:cSld>
     <p:spTree>
       <p:nvGrpSpPr>
@@ -3657,7 +3684,14 @@
         <p:cNvGrpSpPr/>
         <p:nvPr/>
       </p:nvGrpSpPr>
-      <p:grpSpPr/>
+      <p:grpSpPr>
+        <a:xfrm>
+          <a:off x="0" y="0"/>
+          <a:ext cx="0" cy="0"/>
+          <a:chOff x="0" y="0"/>
+          <a:chExt cx="0" cy="0"/>
+        </a:xfrm>
+      </p:grpSpPr>
       <p:sp>
         <p:nvSpPr>
           <p:cNvPr id="2" name="Title 1"/>
@@ -3687,27 +3721,24 @@
             <a:spLocks noGrp="1"/>
           </p:cNvSpPr>
           <p:nvPr>
-            <p:ph idx="1" sz="half"/>
-          </p:nvPr>
-        </p:nvSpPr>
-        <p:spPr/>
-        <p:txBody>
-          <a:bodyPr/>
-          <a:lstStyle/>
-          <a:p>
-            <a:pPr/>
+            <p:ph sz="half" idx="1"/>
+          </p:nvPr>
+        </p:nvSpPr>
+        <p:spPr/>
+        <p:txBody>
+          <a:bodyPr/>
+          <a:lstStyle/>
+          <a:p>
             <a:r>
               <a:t>数据集：例）箱体 + N 粒子 / 刚体堆叠 / 齿轮/轮履仿真</a:t>
             </a:r>
           </a:p>
           <a:p>
-            <a:pPr/>
             <a:r>
               <a:t>对比：GS、Jacobi、APGD（相同时间步与接触参数）</a:t>
             </a:r>
           </a:p>
           <a:p>
-            <a:pPr/>
             <a:r>
               <a:t>指标：每步迭代数、时间/步、总时间、残差曲线、能量下降</a:t>
             </a:r>
@@ -3721,27 +3752,24 @@
             <a:spLocks noGrp="1"/>
           </p:cNvSpPr>
           <p:nvPr>
-            <p:ph idx="2" sz="half"/>
-          </p:nvPr>
-        </p:nvSpPr>
-        <p:spPr/>
-        <p:txBody>
-          <a:bodyPr/>
-          <a:lstStyle/>
-          <a:p>
-            <a:pPr/>
+            <p:ph sz="half" idx="2"/>
+          </p:nvPr>
+        </p:nvSpPr>
+        <p:spPr/>
+        <p:txBody>
+          <a:bodyPr/>
+          <a:lstStyle/>
+          <a:p>
             <a:r>
               <a:t>【占位】参数表（Δt、μ、恢复速度/ERP、CFM）</a:t>
             </a:r>
           </a:p>
           <a:p>
-            <a:pPr/>
             <a:r>
               <a:t>【占位】图表：收敛曲线、速度对比条形图</a:t>
             </a:r>
           </a:p>
           <a:p>
-            <a:pPr/>
             <a:r>
               <a:t>【占位】可视化截图（接触点/力）</a:t>
             </a:r>
@@ -3757,7 +3785,7 @@
 </file>
 
 <file path=ppt/slides/slide11.xml><?xml version="1.0" encoding="utf-8"?>
-<p:sld xmlns:a="http://schemas.openxmlformats.org/drawingml/2006/main" xmlns:p="http://schemas.openxmlformats.org/presentationml/2006/main" xmlns:r="http://schemas.openxmlformats.org/officeDocument/2006/relationships">
+<p:sld xmlns:a="http://schemas.openxmlformats.org/drawingml/2006/main" xmlns:r="http://schemas.openxmlformats.org/officeDocument/2006/relationships" xmlns:p="http://schemas.openxmlformats.org/presentationml/2006/main">
   <p:cSld>
     <p:spTree>
       <p:nvGrpSpPr>
@@ -3765,7 +3793,14 @@
         <p:cNvGrpSpPr/>
         <p:nvPr/>
       </p:nvGrpSpPr>
-      <p:grpSpPr/>
+      <p:grpSpPr>
+        <a:xfrm>
+          <a:off x="0" y="0"/>
+          <a:ext cx="0" cy="0"/>
+          <a:chOff x="0" y="0"/>
+          <a:chExt cx="0" cy="0"/>
+        </a:xfrm>
+      </p:grpSpPr>
       <p:sp>
         <p:nvSpPr>
           <p:cNvPr id="2" name="Title 1"/>
@@ -3803,31 +3838,26 @@
           <a:bodyPr/>
           <a:lstStyle/>
           <a:p>
-            <a:pPr/>
             <a:r>
               <a:t>Warm-start：存储上一步 γ 作为初值以加速收敛</a:t>
             </a:r>
           </a:p>
           <a:p>
-            <a:pPr/>
             <a:r>
               <a:t>步长/Lipschitz 估计：幂迭代估计 λ_max 或基于差分范数估计 L₀</a:t>
             </a:r>
           </a:p>
           <a:p>
-            <a:pPr/>
             <a:r>
               <a:t>动量重启/非单调保护：遇到上升方向时重置 θ</a:t>
             </a:r>
           </a:p>
           <a:p>
-            <a:pPr/>
             <a:r>
               <a:t>摩擦分组缓存：SetFrictionIndex 时一次性建组，迭代中 O(1) 访问</a:t>
             </a:r>
           </a:p>
           <a:p>
-            <a:pPr/>
             <a:r>
               <a:t>日志与诊断：残差（RES）、目标函数 f、回溯次数 BT_MAX</a:t>
             </a:r>
@@ -3843,7 +3873,7 @@
 </file>
 
 <file path=ppt/slides/slide12.xml><?xml version="1.0" encoding="utf-8"?>
-<p:sld xmlns:a="http://schemas.openxmlformats.org/drawingml/2006/main" xmlns:p="http://schemas.openxmlformats.org/presentationml/2006/main" xmlns:r="http://schemas.openxmlformats.org/officeDocument/2006/relationships">
+<p:sld xmlns:a="http://schemas.openxmlformats.org/drawingml/2006/main" xmlns:r="http://schemas.openxmlformats.org/officeDocument/2006/relationships" xmlns:p="http://schemas.openxmlformats.org/presentationml/2006/main">
   <p:cSld>
     <p:spTree>
       <p:nvGrpSpPr>
@@ -3851,7 +3881,14 @@
         <p:cNvGrpSpPr/>
         <p:nvPr/>
       </p:nvGrpSpPr>
-      <p:grpSpPr/>
+      <p:grpSpPr>
+        <a:xfrm>
+          <a:off x="0" y="0"/>
+          <a:ext cx="0" cy="0"/>
+          <a:chOff x="0" y="0"/>
+          <a:chExt cx="0" cy="0"/>
+        </a:xfrm>
+      </p:grpSpPr>
       <p:sp>
         <p:nvSpPr>
           <p:cNvPr id="2" name="Title 1"/>
@@ -3889,19 +3926,16 @@
           <a:bodyPr/>
           <a:lstStyle/>
           <a:p>
-            <a:pPr/>
             <a:r>
               <a:t>CCP 的放松引入潜在的物理伪影与非唯一性问题</a:t>
             </a:r>
           </a:p>
           <a:p>
-            <a:pPr/>
             <a:r>
               <a:t>Chrono 的 matrix-free 设计限制了内点法等高阶方法的发挥</a:t>
             </a:r>
           </a:p>
           <a:p>
-            <a:pPr/>
             <a:r>
               <a:t>后续工作：非 matrix-free 实现以使用优化过的稀疏核与向量化</a:t>
             </a:r>
@@ -3917,7 +3951,7 @@
 </file>
 
 <file path=ppt/slides/slide13.xml><?xml version="1.0" encoding="utf-8"?>
-<p:sld xmlns:a="http://schemas.openxmlformats.org/drawingml/2006/main" xmlns:p="http://schemas.openxmlformats.org/presentationml/2006/main" xmlns:r="http://schemas.openxmlformats.org/officeDocument/2006/relationships">
+<p:sld xmlns:a="http://schemas.openxmlformats.org/drawingml/2006/main" xmlns:r="http://schemas.openxmlformats.org/officeDocument/2006/relationships" xmlns:p="http://schemas.openxmlformats.org/presentationml/2006/main">
   <p:cSld>
     <p:spTree>
       <p:nvGrpSpPr>
@@ -3925,7 +3959,14 @@
         <p:cNvGrpSpPr/>
         <p:nvPr/>
       </p:nvGrpSpPr>
-      <p:grpSpPr/>
+      <p:grpSpPr>
+        <a:xfrm>
+          <a:off x="0" y="0"/>
+          <a:ext cx="0" cy="0"/>
+          <a:chOff x="0" y="0"/>
+          <a:chExt cx="0" cy="0"/>
+        </a:xfrm>
+      </p:grpSpPr>
       <p:sp>
         <p:nvSpPr>
           <p:cNvPr id="2" name="Title 1"/>
@@ -3955,27 +3996,24 @@
             <a:spLocks noGrp="1"/>
           </p:cNvSpPr>
           <p:nvPr>
-            <p:ph idx="1" sz="half"/>
-          </p:nvPr>
-        </p:nvSpPr>
-        <p:spPr/>
-        <p:txBody>
-          <a:bodyPr/>
-          <a:lstStyle/>
-          <a:p>
-            <a:pPr/>
+            <p:ph sz="half" idx="1"/>
+          </p:nvPr>
+        </p:nvSpPr>
+        <p:spPr/>
+        <p:txBody>
+          <a:bodyPr/>
+          <a:lstStyle/>
+          <a:p>
             <a:r>
               <a:t>已完成：算子实现/投影器/线搜索/动量策略/与场景接口</a:t>
             </a:r>
           </a:p>
           <a:p>
-            <a:pPr/>
             <a:r>
               <a:t>在测：基准工况（粒堆/落球/箱体），与 GS/Jacobi 对比</a:t>
             </a:r>
           </a:p>
           <a:p>
-            <a:pPr/>
             <a:r>
               <a:t>问题清单：收敛边缘案例、摩擦组边界、稀疏迭代内存访问</a:t>
             </a:r>
@@ -3989,39 +4027,34 @@
             <a:spLocks noGrp="1"/>
           </p:cNvSpPr>
           <p:nvPr>
-            <p:ph idx="2" sz="half"/>
-          </p:nvPr>
-        </p:nvSpPr>
-        <p:spPr/>
-        <p:txBody>
-          <a:bodyPr/>
-          <a:lstStyle/>
-          <a:p>
-            <a:pPr/>
+            <p:ph sz="half" idx="2"/>
+          </p:nvPr>
+        </p:nvSpPr>
+        <p:spPr/>
+        <p:txBody>
+          <a:bodyPr/>
+          <a:lstStyle/>
+          <a:p>
             <a:r>
               <a:t>下阶段：</a:t>
             </a:r>
           </a:p>
           <a:p>
-            <a:pPr/>
             <a:r>
               <a:t>1) 更系统的基准集（规模与复杂度爬坡）</a:t>
             </a:r>
           </a:p>
           <a:p>
-            <a:pPr/>
             <a:r>
               <a:t>2) 参数消融（warm-start、回溯、重启、不同投影器）</a:t>
             </a:r>
           </a:p>
           <a:p>
-            <a:pPr/>
             <a:r>
               <a:t>3) 可视化与日志仪表盘（残差/能量/耗时）</a:t>
             </a:r>
           </a:p>
           <a:p>
-            <a:pPr/>
             <a:r>
               <a:t>4) 论文复现实验绘图与表格再现</a:t>
             </a:r>
@@ -4037,7 +4070,7 @@
 </file>
 
 <file path=ppt/slides/slide14.xml><?xml version="1.0" encoding="utf-8"?>
-<p:sld xmlns:a="http://schemas.openxmlformats.org/drawingml/2006/main" xmlns:p="http://schemas.openxmlformats.org/presentationml/2006/main" xmlns:r="http://schemas.openxmlformats.org/officeDocument/2006/relationships">
+<p:sld xmlns:a="http://schemas.openxmlformats.org/drawingml/2006/main" xmlns:r="http://schemas.openxmlformats.org/officeDocument/2006/relationships" xmlns:p="http://schemas.openxmlformats.org/presentationml/2006/main">
   <p:cSld>
     <p:spTree>
       <p:nvGrpSpPr>
@@ -4045,7 +4078,14 @@
         <p:cNvGrpSpPr/>
         <p:nvPr/>
       </p:nvGrpSpPr>
-      <p:grpSpPr/>
+      <p:grpSpPr>
+        <a:xfrm>
+          <a:off x="0" y="0"/>
+          <a:ext cx="0" cy="0"/>
+          <a:chOff x="0" y="0"/>
+          <a:chExt cx="0" cy="0"/>
+        </a:xfrm>
+      </p:grpSpPr>
       <p:sp>
         <p:nvSpPr>
           <p:cNvPr id="2" name="Title 1"/>
@@ -4083,19 +4123,16 @@
           <a:bodyPr/>
           <a:lstStyle/>
           <a:p>
-            <a:pPr/>
             <a:r>
               <a:t>[Mazhar et al., TOG 2015] Using Nesterov’s Method to Accelerate Multibody Dynamics with Friction and Contact</a:t>
             </a:r>
           </a:p>
           <a:p>
-            <a:pPr/>
             <a:r>
               <a:t>[Anitescu &amp; Tasora 2010] Iterative cone complementarity for nonsmooth dynamics</a:t>
             </a:r>
           </a:p>
           <a:p>
-            <a:pPr/>
             <a:r>
               <a:t>（在正式版本中，把 BibTeX 或详细条目补全）</a:t>
             </a:r>
@@ -4111,7 +4148,7 @@
 </file>
 
 <file path=ppt/slides/slide15.xml><?xml version="1.0" encoding="utf-8"?>
-<p:sld xmlns:a="http://schemas.openxmlformats.org/drawingml/2006/main" xmlns:p="http://schemas.openxmlformats.org/presentationml/2006/main" xmlns:r="http://schemas.openxmlformats.org/officeDocument/2006/relationships">
+<p:sld xmlns:a="http://schemas.openxmlformats.org/drawingml/2006/main" xmlns:r="http://schemas.openxmlformats.org/officeDocument/2006/relationships" xmlns:p="http://schemas.openxmlformats.org/presentationml/2006/main">
   <p:cSld>
     <p:spTree>
       <p:nvGrpSpPr>
@@ -4119,7 +4156,14 @@
         <p:cNvGrpSpPr/>
         <p:nvPr/>
       </p:nvGrpSpPr>
-      <p:grpSpPr/>
+      <p:grpSpPr>
+        <a:xfrm>
+          <a:off x="0" y="0"/>
+          <a:ext cx="0" cy="0"/>
+          <a:chOff x="0" y="0"/>
+          <a:chExt cx="0" cy="0"/>
+        </a:xfrm>
+      </p:grpSpPr>
       <p:sp>
         <p:nvSpPr>
           <p:cNvPr id="2" name="Title 1"/>
@@ -4157,19 +4201,16 @@
           <a:bodyPr/>
           <a:lstStyle/>
           <a:p>
-            <a:pPr/>
             <a:r>
               <a:t>Eq.(9)/(11) 的完整推导步骤</a:t>
             </a:r>
           </a:p>
           <a:p>
-            <a:pPr/>
             <a:r>
               <a:t>APGD 收敛性要点与超参数讨论</a:t>
             </a:r>
           </a:p>
           <a:p>
-            <a:pPr/>
             <a:r>
               <a:t>摩擦圆锥投影的几何解释与数值稳定化技巧</a:t>
             </a:r>
@@ -4185,7 +4226,7 @@
 </file>
 
 <file path=ppt/slides/slide2.xml><?xml version="1.0" encoding="utf-8"?>
-<p:sld xmlns:a="http://schemas.openxmlformats.org/drawingml/2006/main" xmlns:p="http://schemas.openxmlformats.org/presentationml/2006/main" xmlns:r="http://schemas.openxmlformats.org/officeDocument/2006/relationships">
+<p:sld xmlns:a="http://schemas.openxmlformats.org/drawingml/2006/main" xmlns:r="http://schemas.openxmlformats.org/officeDocument/2006/relationships" xmlns:p="http://schemas.openxmlformats.org/presentationml/2006/main">
   <p:cSld>
     <p:spTree>
       <p:nvGrpSpPr>
@@ -4193,7 +4234,14 @@
         <p:cNvGrpSpPr/>
         <p:nvPr/>
       </p:nvGrpSpPr>
-      <p:grpSpPr/>
+      <p:grpSpPr>
+        <a:xfrm>
+          <a:off x="0" y="0"/>
+          <a:ext cx="0" cy="0"/>
+          <a:chOff x="0" y="0"/>
+          <a:chExt cx="0" cy="0"/>
+        </a:xfrm>
+      </p:grpSpPr>
       <p:sp>
         <p:nvSpPr>
           <p:cNvPr id="2" name="Title 1"/>
@@ -4210,8 +4258,12 @@
           <a:lstStyle/>
           <a:p>
             <a:r>
-              <a:rPr sz="4000" b="1"/>
-              <a:t>目录 / Agenda</a:t>
+              <a:rPr sz="4000" b="1" dirty="0" err="1"/>
+              <a:t>目录</a:t>
+            </a:r>
+            <a:r>
+              <a:rPr sz="4000" b="1" dirty="0"/>
+              <a:t> / Agenda</a:t>
             </a:r>
           </a:p>
         </p:txBody>
@@ -4228,43 +4280,139 @@
         </p:nvSpPr>
         <p:spPr/>
         <p:txBody>
-          <a:bodyPr/>
-          <a:lstStyle/>
-          <a:p>
-            <a:pPr/>
-            <a:r>
-              <a:t>研究背景 &amp; 问题形式化（DVI → CCP/LCP）</a:t>
-            </a:r>
-          </a:p>
-          <a:p>
-            <a:pPr/>
-            <a:r>
-              <a:t>APGD 算法原理与推导（Nesterov 加速 + 投影 + 回溯）</a:t>
-            </a:r>
-          </a:p>
-          <a:p>
-            <a:pPr/>
-            <a:r>
-              <a:t>与 Chrono 框架集成：矩阵-自由（matrix-free）Schur 乘算子</a:t>
-            </a:r>
-          </a:p>
-          <a:p>
-            <a:pPr/>
-            <a:r>
-              <a:t>实验设置与结果（与 GS/Jacobi 对比）</a:t>
-            </a:r>
-          </a:p>
-          <a:p>
-            <a:pPr/>
-            <a:r>
+          <a:bodyPr>
+            <a:normAutofit fontScale="92500" lnSpcReduction="10000"/>
+          </a:bodyPr>
+          <a:lstStyle/>
+          <a:p>
+            <a:r>
+              <a:rPr dirty="0" err="1"/>
+              <a:t>研究背景</a:t>
+            </a:r>
+            <a:r>
+              <a:rPr dirty="0"/>
+              <a:t> &amp; </a:t>
+            </a:r>
+            <a:r>
+              <a:rPr dirty="0" err="1"/>
+              <a:t>问题形式化（DVI</a:t>
+            </a:r>
+            <a:r>
+              <a:rPr dirty="0"/>
+              <a:t> → CCP/LCP）</a:t>
+            </a:r>
+          </a:p>
+          <a:p>
+            <a:r>
+              <a:rPr lang="en-US" dirty="0"/>
+              <a:t>APGD </a:t>
+            </a:r>
+            <a:r>
+              <a:rPr lang="zh-CN" altLang="en-US" dirty="0"/>
+              <a:t>算法原理与推导（</a:t>
+            </a:r>
+            <a:r>
+              <a:rPr lang="en-US" dirty="0" err="1"/>
+              <a:t>Nesterov</a:t>
+            </a:r>
+            <a:r>
+              <a:rPr lang="en-US" dirty="0"/>
+              <a:t> </a:t>
+            </a:r>
+            <a:r>
+              <a:rPr lang="zh-CN" altLang="en-US" dirty="0"/>
+              <a:t>加速 </a:t>
+            </a:r>
+            <a:r>
+              <a:rPr lang="en-US" altLang="zh-CN" dirty="0"/>
+              <a:t>+ </a:t>
+            </a:r>
+            <a:r>
+              <a:rPr lang="zh-CN" altLang="en-US" dirty="0"/>
+              <a:t>投影 </a:t>
+            </a:r>
+            <a:r>
+              <a:rPr lang="en-US" altLang="zh-CN" dirty="0"/>
+              <a:t>+ </a:t>
+            </a:r>
+            <a:r>
+              <a:rPr lang="zh-CN" altLang="en-US" dirty="0"/>
+              <a:t>回溯）</a:t>
+            </a:r>
+          </a:p>
+          <a:p>
+            <a:r>
+              <a:rPr lang="zh-CN" altLang="en-US" dirty="0"/>
+              <a:t>与 </a:t>
+            </a:r>
+            <a:r>
+              <a:rPr lang="en-US" dirty="0"/>
+              <a:t>Chrono </a:t>
+            </a:r>
+            <a:r>
+              <a:rPr lang="zh-CN" altLang="en-US" dirty="0"/>
+              <a:t>框架集成：矩阵</a:t>
+            </a:r>
+            <a:r>
+              <a:rPr lang="en-US" altLang="zh-CN" dirty="0"/>
+              <a:t>-</a:t>
+            </a:r>
+            <a:r>
+              <a:rPr lang="zh-CN" altLang="en-US" dirty="0"/>
+              <a:t>自由（</a:t>
+            </a:r>
+            <a:r>
+              <a:rPr lang="en-US" dirty="0" err="1"/>
+              <a:t>matrix-free）Schur</a:t>
+            </a:r>
+            <a:r>
+              <a:rPr lang="en-US" dirty="0"/>
+              <a:t> </a:t>
+            </a:r>
+            <a:r>
+              <a:rPr lang="zh-CN" altLang="en-US" dirty="0"/>
+              <a:t>乘算子</a:t>
+            </a:r>
+          </a:p>
+          <a:p>
+            <a:r>
+              <a:rPr dirty="0" err="1"/>
+              <a:t>实验设置与结果（与</a:t>
+            </a:r>
+            <a:r>
+              <a:rPr dirty="0"/>
+              <a:t> GS/Jacobi </a:t>
+            </a:r>
+            <a:r>
+              <a:rPr dirty="0" err="1"/>
+              <a:t>对比</a:t>
+            </a:r>
+            <a:r>
+              <a:rPr dirty="0"/>
+              <a:t>）</a:t>
+            </a:r>
+          </a:p>
+          <a:p>
+            <a:r>
+              <a:rPr dirty="0" err="1"/>
               <a:t>工程化策略：Warm-start、摩擦圆锥投影、步长估计</a:t>
             </a:r>
-          </a:p>
-          <a:p>
-            <a:pPr/>
-            <a:r>
-              <a:t>阶段进展 &amp; 下阶段计划</a:t>
-            </a:r>
+            <a:endParaRPr dirty="0"/>
+          </a:p>
+          <a:p>
+            <a:r>
+              <a:rPr dirty="0" err="1"/>
+              <a:t>阶段进展</a:t>
+            </a:r>
+            <a:r>
+              <a:rPr dirty="0"/>
+              <a:t> &amp; </a:t>
+            </a:r>
+            <a:r>
+              <a:rPr dirty="0" err="1"/>
+              <a:t>下阶段计划</a:t>
+            </a:r>
+            <a:endParaRPr dirty="0"/>
           </a:p>
         </p:txBody>
       </p:sp>
@@ -4277,7 +4425,7 @@
 </file>
 
 <file path=ppt/slides/slide3.xml><?xml version="1.0" encoding="utf-8"?>
-<p:sld xmlns:a="http://schemas.openxmlformats.org/drawingml/2006/main" xmlns:p="http://schemas.openxmlformats.org/presentationml/2006/main" xmlns:r="http://schemas.openxmlformats.org/officeDocument/2006/relationships">
+<p:sld xmlns:a="http://schemas.openxmlformats.org/drawingml/2006/main" xmlns:r="http://schemas.openxmlformats.org/officeDocument/2006/relationships" xmlns:p="http://schemas.openxmlformats.org/presentationml/2006/main">
   <p:cSld>
     <p:spTree>
       <p:nvGrpSpPr>
@@ -4285,7 +4433,14 @@
         <p:cNvGrpSpPr/>
         <p:nvPr/>
       </p:nvGrpSpPr>
-      <p:grpSpPr/>
+      <p:grpSpPr>
+        <a:xfrm>
+          <a:off x="0" y="0"/>
+          <a:ext cx="0" cy="0"/>
+          <a:chOff x="0" y="0"/>
+          <a:chExt cx="0" cy="0"/>
+        </a:xfrm>
+      </p:grpSpPr>
       <p:sp>
         <p:nvSpPr>
           <p:cNvPr id="2" name="Title 1"/>
@@ -4323,22 +4478,59 @@
           <a:bodyPr/>
           <a:lstStyle/>
           <a:p>
-            <a:pPr/>
-            <a:r>
-              <a:t>目标：在每个时间步求解系统中所有接触点的法向与摩擦力（接触/摩擦）</a:t>
-            </a:r>
-          </a:p>
-          <a:p>
-            <a:pPr/>
-            <a:r>
-              <a:t>DVI（微分变分不等式）时间离散 → 衍生互补型问题（CCP/LCP）</a:t>
-            </a:r>
-          </a:p>
-          <a:p>
-            <a:pPr/>
-            <a:r>
-              <a:t>论文采用“放松（relaxation）”的 CCP 表达，使得数值问题可用一阶方法高效求解</a:t>
-            </a:r>
+            <a:r>
+              <a:rPr dirty="0" err="1"/>
+              <a:t>目标：在每个时间步求解系统中所有接触点的法向与摩擦力（接触</a:t>
+            </a:r>
+            <a:r>
+              <a:rPr dirty="0"/>
+              <a:t>/</a:t>
+            </a:r>
+            <a:r>
+              <a:rPr dirty="0" err="1"/>
+              <a:t>摩擦</a:t>
+            </a:r>
+            <a:r>
+              <a:rPr dirty="0"/>
+              <a:t>）</a:t>
+            </a:r>
+          </a:p>
+          <a:p>
+            <a:r>
+              <a:rPr dirty="0" err="1"/>
+              <a:t>DVI（微分变分不等式）时间离散</a:t>
+            </a:r>
+            <a:r>
+              <a:rPr dirty="0"/>
+              <a:t> → </a:t>
+            </a:r>
+            <a:r>
+              <a:rPr dirty="0" err="1"/>
+              <a:t>衍生互补型问题（CCP</a:t>
+            </a:r>
+            <a:r>
+              <a:rPr dirty="0"/>
+              <a:t>/LCP）</a:t>
+            </a:r>
+          </a:p>
+          <a:p>
+            <a:r>
+              <a:rPr dirty="0"/>
+              <a:t>论文采用“</a:t>
+            </a:r>
+            <a:r>
+              <a:rPr dirty="0" err="1"/>
+              <a:t>放松（relaxation</a:t>
+            </a:r>
+            <a:r>
+              <a:rPr dirty="0"/>
+              <a:t>）”的 CCP </a:t>
+            </a:r>
+            <a:r>
+              <a:rPr dirty="0" err="1"/>
+              <a:t>表达，使得数值问题可用一阶方法高效求解</a:t>
+            </a:r>
+            <a:endParaRPr dirty="0"/>
           </a:p>
         </p:txBody>
       </p:sp>
@@ -4351,7 +4543,7 @@
 </file>
 
 <file path=ppt/slides/slide4.xml><?xml version="1.0" encoding="utf-8"?>
-<p:sld xmlns:a="http://schemas.openxmlformats.org/drawingml/2006/main" xmlns:p="http://schemas.openxmlformats.org/presentationml/2006/main" xmlns:r="http://schemas.openxmlformats.org/officeDocument/2006/relationships">
+<p:sld xmlns:a="http://schemas.openxmlformats.org/drawingml/2006/main" xmlns:r="http://schemas.openxmlformats.org/officeDocument/2006/relationships" xmlns:p="http://schemas.openxmlformats.org/presentationml/2006/main">
   <p:cSld>
     <p:spTree>
       <p:nvGrpSpPr>
@@ -4359,7 +4551,14 @@
         <p:cNvGrpSpPr/>
         <p:nvPr/>
       </p:nvGrpSpPr>
-      <p:grpSpPr/>
+      <p:grpSpPr>
+        <a:xfrm>
+          <a:off x="0" y="0"/>
+          <a:ext cx="0" cy="0"/>
+          <a:chOff x="0" y="0"/>
+          <a:chExt cx="0" cy="0"/>
+        </a:xfrm>
+      </p:grpSpPr>
       <p:sp>
         <p:nvSpPr>
           <p:cNvPr id="2" name="Title 1"/>
@@ -4389,27 +4588,24 @@
             <a:spLocks noGrp="1"/>
           </p:cNvSpPr>
           <p:nvPr>
-            <p:ph idx="1" sz="half"/>
-          </p:nvPr>
-        </p:nvSpPr>
-        <p:spPr/>
-        <p:txBody>
-          <a:bodyPr/>
-          <a:lstStyle/>
-          <a:p>
-            <a:pPr/>
+            <p:ph sz="half" idx="1"/>
+          </p:nvPr>
+        </p:nvSpPr>
+        <p:spPr/>
+        <p:txBody>
+          <a:bodyPr/>
+          <a:lstStyle/>
+          <a:p>
             <a:r>
               <a:t>速度更新：v_{k+1} = v_{init} + M^{-1} J^T γ</a:t>
             </a:r>
           </a:p>
           <a:p>
-            <a:pPr/>
             <a:r>
               <a:t>CCP:  min  0.5·γᵀ A γ - rᵀ γ   s.t.  γ ∈ 𝒞（盒约束 + 摩擦圆锥）</a:t>
             </a:r>
           </a:p>
           <a:p>
-            <a:pPr/>
             <a:r>
               <a:t>A = J M^{-1} Jᵀ,  r = -(J v_init + b)</a:t>
             </a:r>
@@ -4423,27 +4619,24 @@
             <a:spLocks noGrp="1"/>
           </p:cNvSpPr>
           <p:nvPr>
-            <p:ph idx="2" sz="half"/>
-          </p:nvPr>
-        </p:nvSpPr>
-        <p:spPr/>
-        <p:txBody>
-          <a:bodyPr/>
-          <a:lstStyle/>
-          <a:p>
-            <a:pPr/>
+            <p:ph sz="half" idx="2"/>
+          </p:nvPr>
+        </p:nvSpPr>
+        <p:spPr/>
+        <p:txBody>
+          <a:bodyPr/>
+          <a:lstStyle/>
+          <a:p>
             <a:r>
               <a:t>【占位】把你的系统符号、约束集 C、b 的构造放在右侧</a:t>
             </a:r>
           </a:p>
           <a:p>
-            <a:pPr/>
             <a:r>
               <a:t>【占位】给出从 DVI → CCP 的关键推导式（Eq.(9)/(11)）</a:t>
             </a:r>
           </a:p>
           <a:p>
-            <a:pPr/>
             <a:r>
               <a:t>【占位】接触与摩擦变量分块结构图</a:t>
             </a:r>
@@ -4459,7 +4652,7 @@
 </file>
 
 <file path=ppt/slides/slide5.xml><?xml version="1.0" encoding="utf-8"?>
-<p:sld xmlns:a="http://schemas.openxmlformats.org/drawingml/2006/main" xmlns:p="http://schemas.openxmlformats.org/presentationml/2006/main" xmlns:r="http://schemas.openxmlformats.org/officeDocument/2006/relationships">
+<p:sld xmlns:a="http://schemas.openxmlformats.org/drawingml/2006/main" xmlns:r="http://schemas.openxmlformats.org/officeDocument/2006/relationships" xmlns:p="http://schemas.openxmlformats.org/presentationml/2006/main">
   <p:cSld>
     <p:spTree>
       <p:nvGrpSpPr>
@@ -4467,7 +4660,14 @@
         <p:cNvGrpSpPr/>
         <p:nvPr/>
       </p:nvGrpSpPr>
-      <p:grpSpPr/>
+      <p:grpSpPr>
+        <a:xfrm>
+          <a:off x="0" y="0"/>
+          <a:ext cx="0" cy="0"/>
+          <a:chOff x="0" y="0"/>
+          <a:chExt cx="0" cy="0"/>
+        </a:xfrm>
+      </p:grpSpPr>
       <p:sp>
         <p:nvSpPr>
           <p:cNvPr id="2" name="Title 1"/>
@@ -4505,25 +4705,21 @@
           <a:bodyPr/>
           <a:lstStyle/>
           <a:p>
-            <a:pPr/>
             <a:r>
               <a:t>核心：在凸目标 f(γ)=0.5·γᵀAγ - rᵀγ 上进行“加速的投影梯度”迭代</a:t>
             </a:r>
           </a:p>
           <a:p>
-            <a:pPr/>
             <a:r>
               <a:t>更新：y_k ← x_k + β_k (x_k - x_{k-1});  x_{k+1} ← Π_C ( y_k - t_k ∇f(y_k) )</a:t>
             </a:r>
           </a:p>
           <a:p>
-            <a:pPr/>
             <a:r>
               <a:t>配套：Armijo 回溯线搜索估计 L_k 与步长 t_k=1/L_k；必要时动量重启</a:t>
             </a:r>
           </a:p>
           <a:p>
-            <a:pPr/>
             <a:r>
               <a:t>投影 Π_C：对等式/不等式变量做盒约束裁剪 + 摩擦圆锥（或圆盘）投影</a:t>
             </a:r>
@@ -4539,7 +4735,7 @@
 </file>
 
 <file path=ppt/slides/slide6.xml><?xml version="1.0" encoding="utf-8"?>
-<p:sld xmlns:a="http://schemas.openxmlformats.org/drawingml/2006/main" xmlns:p="http://schemas.openxmlformats.org/presentationml/2006/main" xmlns:r="http://schemas.openxmlformats.org/officeDocument/2006/relationships">
+<p:sld xmlns:a="http://schemas.openxmlformats.org/drawingml/2006/main" xmlns:r="http://schemas.openxmlformats.org/officeDocument/2006/relationships" xmlns:p="http://schemas.openxmlformats.org/presentationml/2006/main">
   <p:cSld>
     <p:spTree>
       <p:nvGrpSpPr>
@@ -4547,7 +4743,14 @@
         <p:cNvGrpSpPr/>
         <p:nvPr/>
       </p:nvGrpSpPr>
-      <p:grpSpPr/>
+      <p:grpSpPr>
+        <a:xfrm>
+          <a:off x="0" y="0"/>
+          <a:ext cx="0" cy="0"/>
+          <a:chOff x="0" y="0"/>
+          <a:chExt cx="0" cy="0"/>
+        </a:xfrm>
+      </p:grpSpPr>
       <p:sp>
         <p:nvSpPr>
           <p:cNvPr id="2" name="Title 1"/>
@@ -4585,49 +4788,41 @@
           <a:bodyPr/>
           <a:lstStyle/>
           <a:p>
-            <a:pPr/>
             <a:r>
               <a:t>初始化：x₀, x₋₁=x₀, y₀=x₀, t₀, θ₀=1</a:t>
             </a:r>
           </a:p>
           <a:p>
-            <a:pPr/>
             <a:r>
               <a:t>循环 k=0..K-1:</a:t>
             </a:r>
           </a:p>
           <a:p>
-            <a:pPr/>
             <a:r>
               <a:t>  1) g_k = A y_k − r</a:t>
             </a:r>
           </a:p>
           <a:p>
-            <a:pPr/>
             <a:r>
               <a:t>  2) x̂ = Π_C ( y_k − t_k g_k )</a:t>
             </a:r>
           </a:p>
           <a:p>
-            <a:pPr/>
             <a:r>
               <a:t>  3) 线搜索：若 f(x̂) &gt; f(y_k) + g_kᵀ(x̂−y_k) + (L_k/2)‖x̂−y_k‖² → 增大 L_k</a:t>
             </a:r>
           </a:p>
           <a:p>
-            <a:pPr/>
             <a:r>
               <a:t>  4) x_{k+1} = x̂；  θ_{k+1} = (1+√(1+4θ_k²))/2； β_{k+1}=(θ_k−1)/θ_{k+1}</a:t>
             </a:r>
           </a:p>
           <a:p>
-            <a:pPr/>
             <a:r>
               <a:t>  5) 若 g_kᵀ(x_{k+1}−x_k) &gt; 0 → 重置动量：y_{k+1}=x_{k+1}, θ_{k+1}=1</a:t>
             </a:r>
           </a:p>
           <a:p>
-            <a:pPr/>
             <a:r>
               <a:t>  6) 否则 y_{k+1} = x_{k+1} + β_{k+1}(x_{k+1}−x_k)</a:t>
             </a:r>
@@ -4643,7 +4838,7 @@
 </file>
 
 <file path=ppt/slides/slide7.xml><?xml version="1.0" encoding="utf-8"?>
-<p:sld xmlns:a="http://schemas.openxmlformats.org/drawingml/2006/main" xmlns:p="http://schemas.openxmlformats.org/presentationml/2006/main" xmlns:r="http://schemas.openxmlformats.org/officeDocument/2006/relationships">
+<p:sld xmlns:a="http://schemas.openxmlformats.org/drawingml/2006/main" xmlns:r="http://schemas.openxmlformats.org/officeDocument/2006/relationships" xmlns:p="http://schemas.openxmlformats.org/presentationml/2006/main">
   <p:cSld>
     <p:spTree>
       <p:nvGrpSpPr>
@@ -4651,7 +4846,14 @@
         <p:cNvGrpSpPr/>
         <p:nvPr/>
       </p:nvGrpSpPr>
-      <p:grpSpPr/>
+      <p:grpSpPr>
+        <a:xfrm>
+          <a:off x="0" y="0"/>
+          <a:ext cx="0" cy="0"/>
+          <a:chOff x="0" y="0"/>
+          <a:chExt cx="0" cy="0"/>
+        </a:xfrm>
+      </p:grpSpPr>
       <p:sp>
         <p:nvSpPr>
           <p:cNvPr id="2" name="Title 1"/>
@@ -4681,27 +4883,24 @@
             <a:spLocks noGrp="1"/>
           </p:cNvSpPr>
           <p:nvPr>
-            <p:ph idx="1" sz="half"/>
-          </p:nvPr>
-        </p:nvSpPr>
-        <p:spPr/>
-        <p:txBody>
-          <a:bodyPr/>
-          <a:lstStyle/>
-          <a:p>
-            <a:pPr/>
+            <p:ph sz="half" idx="1"/>
+          </p:nvPr>
+        </p:nvSpPr>
+        <p:spPr/>
+        <p:txBody>
+          <a:bodyPr/>
+          <a:lstStyle/>
+          <a:p>
             <a:r>
               <a:t>盒约束：γ_i ← min(max(γ_i, lo_i), hi_i)</a:t>
             </a:r>
           </a:p>
           <a:p>
-            <a:pPr/>
             <a:r>
               <a:t>摩擦组：以法向 λ_n 为中心，对切向分量投影到半径 μ·λ_n 的圆盘（可加附加摩擦项）</a:t>
             </a:r>
           </a:p>
           <a:p>
-            <a:pPr/>
             <a:r>
               <a:t>等式行：保持不动或单独处理</a:t>
             </a:r>
@@ -4715,27 +4914,24 @@
             <a:spLocks noGrp="1"/>
           </p:cNvSpPr>
           <p:nvPr>
-            <p:ph idx="2" sz="half"/>
-          </p:nvPr>
-        </p:nvSpPr>
-        <p:spPr/>
-        <p:txBody>
-          <a:bodyPr/>
-          <a:lstStyle/>
-          <a:p>
-            <a:pPr/>
+            <p:ph sz="half" idx="2"/>
+          </p:nvPr>
+        </p:nvSpPr>
+        <p:spPr/>
+        <p:txBody>
+          <a:bodyPr/>
+          <a:lstStyle/>
+          <a:p>
             <a:r>
               <a:t>【占位】给出你在代码中的分组策略（findex → groups）</a:t>
             </a:r>
           </a:p>
           <a:p>
-            <a:pPr/>
             <a:r>
               <a:t>【占位】展示一次投影前后向量对比图</a:t>
             </a:r>
           </a:p>
           <a:p>
-            <a:pPr/>
             <a:r>
               <a:t>【占位】讨论边界情形（λ_n ≤ 0、空接触等）</a:t>
             </a:r>
@@ -4751,7 +4947,7 @@
 </file>
 
 <file path=ppt/slides/slide8.xml><?xml version="1.0" encoding="utf-8"?>
-<p:sld xmlns:a="http://schemas.openxmlformats.org/drawingml/2006/main" xmlns:p="http://schemas.openxmlformats.org/presentationml/2006/main" xmlns:r="http://schemas.openxmlformats.org/officeDocument/2006/relationships">
+<p:sld xmlns:a="http://schemas.openxmlformats.org/drawingml/2006/main" xmlns:r="http://schemas.openxmlformats.org/officeDocument/2006/relationships" xmlns:p="http://schemas.openxmlformats.org/presentationml/2006/main">
   <p:cSld>
     <p:spTree>
       <p:nvGrpSpPr>
@@ -4759,7 +4955,14 @@
         <p:cNvGrpSpPr/>
         <p:nvPr/>
       </p:nvGrpSpPr>
-      <p:grpSpPr/>
+      <p:grpSpPr>
+        <a:xfrm>
+          <a:off x="0" y="0"/>
+          <a:ext cx="0" cy="0"/>
+          <a:chOff x="0" y="0"/>
+          <a:chExt cx="0" cy="0"/>
+        </a:xfrm>
+      </p:grpSpPr>
       <p:sp>
         <p:nvSpPr>
           <p:cNvPr id="2" name="Title 1"/>
@@ -4789,39 +4992,34 @@
             <a:spLocks noGrp="1"/>
           </p:cNvSpPr>
           <p:nvPr>
-            <p:ph idx="1" sz="half"/>
-          </p:nvPr>
-        </p:nvSpPr>
-        <p:spPr/>
-        <p:txBody>
-          <a:bodyPr/>
-          <a:lstStyle/>
-          <a:p>
-            <a:pPr/>
+            <p:ph sz="half" idx="1"/>
+          </p:nvPr>
+        </p:nvSpPr>
+        <p:spPr/>
+        <p:txBody>
+          <a:bodyPr/>
+          <a:lstStyle/>
+          <a:p>
             <a:r>
               <a:t>A·x = J·M^{-1}·Jᵀ·x  以算子方式计算：</a:t>
             </a:r>
           </a:p>
           <a:p>
-            <a:pPr/>
             <a:r>
               <a:t>i) y_body = Jᵀ·x</a:t>
             </a:r>
           </a:p>
           <a:p>
-            <a:pPr/>
             <a:r>
               <a:t>ii) z_body = M^{-1}·y_body</a:t>
             </a:r>
           </a:p>
           <a:p>
-            <a:pPr/>
             <a:r>
               <a:t>iii) y = J·z_body</a:t>
             </a:r>
           </a:p>
           <a:p>
-            <a:pPr/>
             <a:r>
               <a:t>r = -(J·v_init + b) 作为右端项</a:t>
             </a:r>
@@ -4835,27 +5033,24 @@
             <a:spLocks noGrp="1"/>
           </p:cNvSpPr>
           <p:nvPr>
-            <p:ph idx="2" sz="half"/>
-          </p:nvPr>
-        </p:nvSpPr>
-        <p:spPr/>
-        <p:txBody>
-          <a:bodyPr/>
-          <a:lstStyle/>
-          <a:p>
-            <a:pPr/>
+            <p:ph sz="half" idx="2"/>
+          </p:nvPr>
+        </p:nvSpPr>
+        <p:spPr/>
+        <p:txBody>
+          <a:bodyPr/>
+          <a:lstStyle/>
+          <a:p>
             <a:r>
               <a:t>【占位】给出你的 J 构造与遍历方式（稀疏行/块 6×?）</a:t>
             </a:r>
           </a:p>
           <a:p>
-            <a:pPr/>
             <a:r>
               <a:t>【占位】Minv 的实现与在世界坐标下的惯量张量 I^{-1}_W</a:t>
             </a:r>
           </a:p>
           <a:p>
-            <a:pPr/>
             <a:r>
               <a:t>【占位】内存复用与缓存友好：线程局部缓冲 / 预分配</a:t>
             </a:r>
@@ -4871,7 +5066,7 @@
 </file>
 
 <file path=ppt/slides/slide9.xml><?xml version="1.0" encoding="utf-8"?>
-<p:sld xmlns:a="http://schemas.openxmlformats.org/drawingml/2006/main" xmlns:p="http://schemas.openxmlformats.org/presentationml/2006/main" xmlns:r="http://schemas.openxmlformats.org/officeDocument/2006/relationships">
+<p:sld xmlns:a="http://schemas.openxmlformats.org/drawingml/2006/main" xmlns:r="http://schemas.openxmlformats.org/officeDocument/2006/relationships" xmlns:p="http://schemas.openxmlformats.org/presentationml/2006/main">
   <p:cSld>
     <p:spTree>
       <p:nvGrpSpPr>
@@ -4879,7 +5074,14 @@
         <p:cNvGrpSpPr/>
         <p:nvPr/>
       </p:nvGrpSpPr>
-      <p:grpSpPr/>
+      <p:grpSpPr>
+        <a:xfrm>
+          <a:off x="0" y="0"/>
+          <a:ext cx="0" cy="0"/>
+          <a:chOff x="0" y="0"/>
+          <a:chExt cx="0" cy="0"/>
+        </a:xfrm>
+      </p:grpSpPr>
       <p:sp>
         <p:nvSpPr>
           <p:cNvPr id="2" name="Title 1"/>
@@ -4917,19 +5119,16 @@
           <a:bodyPr/>
           <a:lstStyle/>
           <a:p>
-            <a:pPr/>
             <a:r>
               <a:t>APGD 在多数测试中较 Chrono 默认 GS 求解器快约 1 个数量级（10×左右）</a:t>
             </a:r>
           </a:p>
           <a:p>
-            <a:pPr/>
             <a:r>
               <a:t>支持双边约束、内聚力（cohesion）、滚动/自旋摩擦等扩展物理项</a:t>
             </a:r>
           </a:p>
           <a:p>
-            <a:pPr/>
             <a:r>
               <a:t>已在开源并行框架中实现，规模可达百万刚体级别</a:t>
             </a:r>
@@ -5265,7 +5464,7 @@
 </file>
 
 <file path=ppt/theme/theme2.xml><?xml version="1.0" encoding="utf-8"?>
-<a:theme xmlns:a="http://schemas.openxmlformats.org/drawingml/2006/main" name="Office Theme">
+<a:theme xmlns:a="http://schemas.openxmlformats.org/drawingml/2006/main" name="Office">
   <a:themeElements>
     <a:clrScheme name="Office">
       <a:dk1>
@@ -5275,44 +5474,44 @@
         <a:sysClr val="window" lastClr="FFFFFF"/>
       </a:lt1>
       <a:dk2>
-        <a:srgbClr val="1F497D"/>
+        <a:srgbClr val="44546A"/>
       </a:dk2>
       <a:lt2>
-        <a:srgbClr val="EEECE1"/>
+        <a:srgbClr val="E7E6E6"/>
       </a:lt2>
       <a:accent1>
-        <a:srgbClr val="4F81BD"/>
+        <a:srgbClr val="4472C4"/>
       </a:accent1>
       <a:accent2>
-        <a:srgbClr val="C0504D"/>
+        <a:srgbClr val="ED7D31"/>
       </a:accent2>
       <a:accent3>
-        <a:srgbClr val="9BBB59"/>
+        <a:srgbClr val="A5A5A5"/>
       </a:accent3>
       <a:accent4>
-        <a:srgbClr val="8064A2"/>
+        <a:srgbClr val="FFC000"/>
       </a:accent4>
       <a:accent5>
-        <a:srgbClr val="4BACC6"/>
+        <a:srgbClr val="5B9BD5"/>
       </a:accent5>
       <a:accent6>
-        <a:srgbClr val="F79646"/>
+        <a:srgbClr val="70AD47"/>
       </a:accent6>
       <a:hlink>
-        <a:srgbClr val="0000FF"/>
+        <a:srgbClr val="0563C1"/>
       </a:hlink>
       <a:folHlink>
-        <a:srgbClr val="800080"/>
+        <a:srgbClr val="954F72"/>
       </a:folHlink>
     </a:clrScheme>
     <a:fontScheme name="Office">
       <a:majorFont>
-        <a:latin typeface="Calibri"/>
+        <a:latin typeface="等线 Light" panose="020F0302020204030204"/>
         <a:ea typeface=""/>
         <a:cs typeface=""/>
-        <a:font script="Jpan" typeface="ＭＳ Ｐゴシック"/>
+        <a:font script="Jpan" typeface="游ゴシック Light"/>
         <a:font script="Hang" typeface="맑은 고딕"/>
-        <a:font script="Hans" typeface="宋体"/>
+        <a:font script="Hans" typeface="等线 Light"/>
         <a:font script="Hant" typeface="新細明體"/>
         <a:font script="Arab" typeface="Times New Roman"/>
         <a:font script="Hebr" typeface="Times New Roman"/>
@@ -5340,14 +5539,31 @@
         <a:font script="Viet" typeface="Times New Roman"/>
         <a:font script="Uigh" typeface="Microsoft Uighur"/>
         <a:font script="Geor" typeface="Sylfaen"/>
+        <a:font script="Armn" typeface="Arial"/>
+        <a:font script="Bugi" typeface="Leelawadee UI"/>
+        <a:font script="Bopo" typeface="Microsoft JhengHei"/>
+        <a:font script="Java" typeface="Javanese Text"/>
+        <a:font script="Lisu" typeface="Segoe UI"/>
+        <a:font script="Mymr" typeface="Myanmar Text"/>
+        <a:font script="Nkoo" typeface="Ebrima"/>
+        <a:font script="Olck" typeface="Nirmala UI"/>
+        <a:font script="Osma" typeface="Ebrima"/>
+        <a:font script="Phag" typeface="Phagspa"/>
+        <a:font script="Syrn" typeface="Estrangelo Edessa"/>
+        <a:font script="Syrj" typeface="Estrangelo Edessa"/>
+        <a:font script="Syre" typeface="Estrangelo Edessa"/>
+        <a:font script="Sora" typeface="Nirmala UI"/>
+        <a:font script="Tale" typeface="Microsoft Tai Le"/>
+        <a:font script="Talu" typeface="Microsoft New Tai Lue"/>
+        <a:font script="Tfng" typeface="Ebrima"/>
       </a:majorFont>
       <a:minorFont>
-        <a:latin typeface="Calibri"/>
+        <a:latin typeface="等线" panose="020F0502020204030204"/>
         <a:ea typeface=""/>
         <a:cs typeface=""/>
-        <a:font script="Jpan" typeface="ＭＳ Ｐゴシック"/>
+        <a:font script="Jpan" typeface="游ゴシック"/>
         <a:font script="Hang" typeface="맑은 고딕"/>
-        <a:font script="Hans" typeface="宋体"/>
+        <a:font script="Hans" typeface="等线"/>
         <a:font script="Hant" typeface="新細明體"/>
         <a:font script="Arab" typeface="Arial"/>
         <a:font script="Hebr" typeface="Arial"/>
@@ -5375,6 +5591,23 @@
         <a:font script="Viet" typeface="Arial"/>
         <a:font script="Uigh" typeface="Microsoft Uighur"/>
         <a:font script="Geor" typeface="Sylfaen"/>
+        <a:font script="Armn" typeface="Arial"/>
+        <a:font script="Bugi" typeface="Leelawadee UI"/>
+        <a:font script="Bopo" typeface="Microsoft JhengHei"/>
+        <a:font script="Java" typeface="Javanese Text"/>
+        <a:font script="Lisu" typeface="Segoe UI"/>
+        <a:font script="Mymr" typeface="Myanmar Text"/>
+        <a:font script="Nkoo" typeface="Ebrima"/>
+        <a:font script="Olck" typeface="Nirmala UI"/>
+        <a:font script="Osma" typeface="Ebrima"/>
+        <a:font script="Phag" typeface="Phagspa"/>
+        <a:font script="Syrn" typeface="Estrangelo Edessa"/>
+        <a:font script="Syrj" typeface="Estrangelo Edessa"/>
+        <a:font script="Syre" typeface="Estrangelo Edessa"/>
+        <a:font script="Sora" typeface="Nirmala UI"/>
+        <a:font script="Tale" typeface="Microsoft Tai Le"/>
+        <a:font script="Talu" typeface="Microsoft New Tai Lue"/>
+        <a:font script="Tfng" typeface="Ebrima"/>
       </a:minorFont>
     </a:fontScheme>
     <a:fmtScheme name="Office">
@@ -5386,200 +5619,141 @@
           <a:gsLst>
             <a:gs pos="0">
               <a:schemeClr val="phClr">
-                <a:tint val="50000"/>
-                <a:satMod val="300000"/>
+                <a:lumMod val="110000"/>
+                <a:satMod val="105000"/>
+                <a:tint val="67000"/>
               </a:schemeClr>
             </a:gs>
-            <a:gs pos="35000">
+            <a:gs pos="50000">
               <a:schemeClr val="phClr">
-                <a:tint val="37000"/>
-                <a:satMod val="300000"/>
+                <a:lumMod val="105000"/>
+                <a:satMod val="103000"/>
+                <a:tint val="73000"/>
               </a:schemeClr>
             </a:gs>
             <a:gs pos="100000">
               <a:schemeClr val="phClr">
-                <a:tint val="15000"/>
-                <a:satMod val="350000"/>
+                <a:lumMod val="105000"/>
+                <a:satMod val="109000"/>
+                <a:tint val="81000"/>
               </a:schemeClr>
             </a:gs>
           </a:gsLst>
-          <a:lin ang="16200000" scaled="1"/>
+          <a:lin ang="5400000" scaled="0"/>
         </a:gradFill>
         <a:gradFill rotWithShape="1">
           <a:gsLst>
             <a:gs pos="0">
               <a:schemeClr val="phClr">
-                <a:tint val="100000"/>
+                <a:satMod val="103000"/>
+                <a:lumMod val="102000"/>
+                <a:tint val="94000"/>
+              </a:schemeClr>
+            </a:gs>
+            <a:gs pos="50000">
+              <a:schemeClr val="phClr">
+                <a:satMod val="110000"/>
+                <a:lumMod val="100000"/>
                 <a:shade val="100000"/>
-                <a:satMod val="130000"/>
               </a:schemeClr>
             </a:gs>
             <a:gs pos="100000">
               <a:schemeClr val="phClr">
-                <a:tint val="50000"/>
-                <a:shade val="100000"/>
-                <a:satMod val="350000"/>
+                <a:lumMod val="99000"/>
+                <a:satMod val="120000"/>
+                <a:shade val="78000"/>
               </a:schemeClr>
             </a:gs>
           </a:gsLst>
-          <a:lin ang="16200000" scaled="0"/>
+          <a:lin ang="5400000" scaled="0"/>
         </a:gradFill>
       </a:fillStyleLst>
       <a:lnStyleLst>
-        <a:ln w="9525" cap="flat" cmpd="sng" algn="ctr">
-          <a:solidFill>
-            <a:schemeClr val="phClr">
-              <a:shade val="95000"/>
-              <a:satMod val="105000"/>
-            </a:schemeClr>
-          </a:solidFill>
-          <a:prstDash val="solid"/>
-        </a:ln>
-        <a:ln w="25400" cap="flat" cmpd="sng" algn="ctr">
+        <a:ln w="6350" cap="flat" cmpd="sng" algn="ctr">
           <a:solidFill>
             <a:schemeClr val="phClr"/>
           </a:solidFill>
           <a:prstDash val="solid"/>
+          <a:miter lim="800000"/>
         </a:ln>
-        <a:ln w="38100" cap="flat" cmpd="sng" algn="ctr">
+        <a:ln w="12700" cap="flat" cmpd="sng" algn="ctr">
           <a:solidFill>
             <a:schemeClr val="phClr"/>
           </a:solidFill>
           <a:prstDash val="solid"/>
+          <a:miter lim="800000"/>
+        </a:ln>
+        <a:ln w="19050" cap="flat" cmpd="sng" algn="ctr">
+          <a:solidFill>
+            <a:schemeClr val="phClr"/>
+          </a:solidFill>
+          <a:prstDash val="solid"/>
+          <a:miter lim="800000"/>
         </a:ln>
       </a:lnStyleLst>
       <a:effectStyleLst>
         <a:effectStyle>
+          <a:effectLst/>
+        </a:effectStyle>
+        <a:effectStyle>
+          <a:effectLst/>
+        </a:effectStyle>
+        <a:effectStyle>
           <a:effectLst>
-            <a:outerShdw blurRad="40000" dist="20000" dir="5400000" rotWithShape="0">
+            <a:outerShdw blurRad="57150" dist="19050" dir="5400000" algn="ctr" rotWithShape="0">
               <a:srgbClr val="000000">
-                <a:alpha val="38000"/>
+                <a:alpha val="63000"/>
               </a:srgbClr>
             </a:outerShdw>
           </a:effectLst>
-        </a:effectStyle>
-        <a:effectStyle>
-          <a:effectLst>
-            <a:outerShdw blurRad="40000" dist="23000" dir="5400000" rotWithShape="0">
-              <a:srgbClr val="000000">
-                <a:alpha val="35000"/>
-              </a:srgbClr>
-            </a:outerShdw>
-          </a:effectLst>
-        </a:effectStyle>
-        <a:effectStyle>
-          <a:effectLst>
-            <a:outerShdw blurRad="40000" dist="23000" dir="5400000" rotWithShape="0">
-              <a:srgbClr val="000000">
-                <a:alpha val="35000"/>
-              </a:srgbClr>
-            </a:outerShdw>
-          </a:effectLst>
-          <a:scene3d>
-            <a:camera prst="orthographicFront">
-              <a:rot lat="0" lon="0" rev="0"/>
-            </a:camera>
-            <a:lightRig rig="threePt" dir="t">
-              <a:rot lat="0" lon="0" rev="1200000"/>
-            </a:lightRig>
-          </a:scene3d>
-          <a:sp3d>
-            <a:bevelT w="63500" h="25400"/>
-          </a:sp3d>
         </a:effectStyle>
       </a:effectStyleLst>
       <a:bgFillStyleLst>
         <a:solidFill>
           <a:schemeClr val="phClr"/>
         </a:solidFill>
+        <a:solidFill>
+          <a:schemeClr val="phClr">
+            <a:tint val="95000"/>
+            <a:satMod val="170000"/>
+          </a:schemeClr>
+        </a:solidFill>
         <a:gradFill rotWithShape="1">
           <a:gsLst>
             <a:gs pos="0">
               <a:schemeClr val="phClr">
-                <a:tint val="40000"/>
-                <a:satMod val="350000"/>
+                <a:tint val="93000"/>
+                <a:satMod val="150000"/>
+                <a:shade val="98000"/>
+                <a:lumMod val="102000"/>
               </a:schemeClr>
             </a:gs>
-            <a:gs pos="40000">
+            <a:gs pos="50000">
               <a:schemeClr val="phClr">
-                <a:tint val="45000"/>
-                <a:shade val="99000"/>
-                <a:satMod val="350000"/>
+                <a:tint val="98000"/>
+                <a:satMod val="130000"/>
+                <a:shade val="90000"/>
+                <a:lumMod val="103000"/>
               </a:schemeClr>
             </a:gs>
             <a:gs pos="100000">
               <a:schemeClr val="phClr">
-                <a:shade val="20000"/>
-                <a:satMod val="255000"/>
+                <a:shade val="63000"/>
+                <a:satMod val="120000"/>
               </a:schemeClr>
             </a:gs>
           </a:gsLst>
-          <a:path path="circle">
-            <a:fillToRect l="50000" t="-80000" r="50000" b="180000"/>
-          </a:path>
-        </a:gradFill>
-        <a:gradFill rotWithShape="1">
-          <a:gsLst>
-            <a:gs pos="0">
-              <a:schemeClr val="phClr">
-                <a:tint val="80000"/>
-                <a:satMod val="300000"/>
-              </a:schemeClr>
-            </a:gs>
-            <a:gs pos="100000">
-              <a:schemeClr val="phClr">
-                <a:shade val="30000"/>
-                <a:satMod val="200000"/>
-              </a:schemeClr>
-            </a:gs>
-          </a:gsLst>
-          <a:path path="circle">
-            <a:fillToRect l="50000" t="50000" r="50000" b="50000"/>
-          </a:path>
+          <a:lin ang="5400000" scaled="0"/>
         </a:gradFill>
       </a:bgFillStyleLst>
     </a:fmtScheme>
   </a:themeElements>
-  <a:objectDefaults>
-    <a:spDef>
-      <a:spPr/>
-      <a:bodyPr/>
-      <a:lstStyle/>
-      <a:style>
-        <a:lnRef idx="1">
-          <a:schemeClr val="accent1"/>
-        </a:lnRef>
-        <a:fillRef idx="3">
-          <a:schemeClr val="accent1"/>
-        </a:fillRef>
-        <a:effectRef idx="2">
-          <a:schemeClr val="accent1"/>
-        </a:effectRef>
-        <a:fontRef idx="minor">
-          <a:schemeClr val="lt1"/>
-        </a:fontRef>
-      </a:style>
-    </a:spDef>
-    <a:lnDef>
-      <a:spPr/>
-      <a:bodyPr/>
-      <a:lstStyle/>
-      <a:style>
-        <a:lnRef idx="2">
-          <a:schemeClr val="accent1"/>
-        </a:lnRef>
-        <a:fillRef idx="0">
-          <a:schemeClr val="accent1"/>
-        </a:fillRef>
-        <a:effectRef idx="1">
-          <a:schemeClr val="accent1"/>
-        </a:effectRef>
-        <a:fontRef idx="minor">
-          <a:schemeClr val="tx1"/>
-        </a:fontRef>
-      </a:style>
-    </a:lnDef>
-  </a:objectDefaults>
+  <a:objectDefaults/>
   <a:extraClrSchemeLst/>
+  <a:extLst>
+    <a:ext uri="{05A4C25C-085E-4340-85A3-A5531E510DB2}">
+      <thm15:themeFamily xmlns:thm15="http://schemas.microsoft.com/office/thememl/2012/main" name="Office Theme" id="{62F939B6-93AF-4DB8-9C6B-D6C7DFDC589F}" vid="{4A3C46E8-61CC-4603-A589-7422A47A8E4A}"/>
+    </a:ext>
+  </a:extLst>
 </a:theme>
 </file>